--- a/final_project.pptx
+++ b/final_project.pptx
@@ -18,7 +18,10 @@
     <p:sldId id="271" r:id="rId12"/>
     <p:sldId id="263" r:id="rId13"/>
     <p:sldId id="264" r:id="rId14"/>
-    <p:sldId id="265" r:id="rId15"/>
+    <p:sldId id="275" r:id="rId15"/>
+    <p:sldId id="274" r:id="rId16"/>
+    <p:sldId id="272" r:id="rId17"/>
+    <p:sldId id="265" r:id="rId18"/>
   </p:sldIdLst>
   <p:sldSz cx="12192000" cy="6858000"/>
   <p:notesSz cx="6858000" cy="9144000"/>
@@ -123,6 +126,2466 @@
     </p:ext>
   </p:extLst>
 </p:presentation>
+</file>
+
+<file path=ppt/charts/chart1.xml><?xml version="1.0" encoding="utf-8"?>
+<c:chartSpace xmlns:c="http://schemas.openxmlformats.org/drawingml/2006/chart" xmlns:a="http://schemas.openxmlformats.org/drawingml/2006/main" xmlns:r="http://schemas.openxmlformats.org/officeDocument/2006/relationships" xmlns:c16r2="http://schemas.microsoft.com/office/drawing/2015/06/chart">
+  <c:date1904 val="0"/>
+  <c:lang val="en-US"/>
+  <c:roundedCorners val="0"/>
+  <mc:AlternateContent xmlns:mc="http://schemas.openxmlformats.org/markup-compatibility/2006">
+    <mc:Choice xmlns:c14="http://schemas.microsoft.com/office/drawing/2007/8/2/chart" Requires="c14">
+      <c14:style val="102"/>
+    </mc:Choice>
+    <mc:Fallback>
+      <c:style val="2"/>
+    </mc:Fallback>
+  </mc:AlternateContent>
+  <c:chart>
+    <c:title>
+      <c:tx>
+        <c:rich>
+          <a:bodyPr rot="0" spcFirstLastPara="1" vertOverflow="ellipsis" vert="horz" wrap="square" anchor="ctr" anchorCtr="1"/>
+          <a:lstStyle/>
+          <a:p>
+            <a:pPr>
+              <a:defRPr sz="2128" b="1" i="0" u="none" strike="noStrike" kern="1200" cap="all" spc="120" normalizeH="0" baseline="0">
+                <a:solidFill>
+                  <a:schemeClr val="tx1">
+                    <a:lumMod val="65000"/>
+                    <a:lumOff val="35000"/>
+                  </a:schemeClr>
+                </a:solidFill>
+                <a:latin typeface="+mn-lt"/>
+                <a:ea typeface="+mn-ea"/>
+                <a:cs typeface="+mn-cs"/>
+              </a:defRPr>
+            </a:pPr>
+            <a:endParaRPr lang="en-CA"/>
+          </a:p>
+        </c:rich>
+      </c:tx>
+      <c:overlay val="0"/>
+      <c:spPr>
+        <a:noFill/>
+        <a:ln>
+          <a:noFill/>
+        </a:ln>
+        <a:effectLst/>
+      </c:spPr>
+      <c:txPr>
+        <a:bodyPr rot="0" spcFirstLastPara="1" vertOverflow="ellipsis" vert="horz" wrap="square" anchor="ctr" anchorCtr="1"/>
+        <a:lstStyle/>
+        <a:p>
+          <a:pPr>
+            <a:defRPr sz="2128" b="1" i="0" u="none" strike="noStrike" kern="1200" cap="all" spc="120" normalizeH="0" baseline="0">
+              <a:solidFill>
+                <a:schemeClr val="tx1">
+                  <a:lumMod val="65000"/>
+                  <a:lumOff val="35000"/>
+                </a:schemeClr>
+              </a:solidFill>
+              <a:latin typeface="+mn-lt"/>
+              <a:ea typeface="+mn-ea"/>
+              <a:cs typeface="+mn-cs"/>
+            </a:defRPr>
+          </a:pPr>
+          <a:endParaRPr lang="en-US"/>
+        </a:p>
+      </c:txPr>
+    </c:title>
+    <c:autoTitleDeleted val="0"/>
+    <c:plotArea>
+      <c:layout/>
+      <c:lineChart>
+        <c:grouping val="standard"/>
+        <c:varyColors val="0"/>
+        <c:ser>
+          <c:idx val="0"/>
+          <c:order val="0"/>
+          <c:tx>
+            <c:strRef>
+              <c:f>Sheet1!$B$1</c:f>
+              <c:strCache>
+                <c:ptCount val="1"/>
+                <c:pt idx="0">
+                  <c:v>Precision</c:v>
+                </c:pt>
+              </c:strCache>
+            </c:strRef>
+          </c:tx>
+          <c:spPr>
+            <a:ln w="22225" cap="rnd">
+              <a:solidFill>
+                <a:schemeClr val="accent1"/>
+              </a:solidFill>
+              <a:round/>
+            </a:ln>
+            <a:effectLst/>
+          </c:spPr>
+          <c:marker>
+            <c:symbol val="diamond"/>
+            <c:size val="6"/>
+            <c:spPr>
+              <a:solidFill>
+                <a:schemeClr val="accent1"/>
+              </a:solidFill>
+              <a:ln w="9525">
+                <a:solidFill>
+                  <a:schemeClr val="accent1"/>
+                </a:solidFill>
+                <a:round/>
+              </a:ln>
+              <a:effectLst/>
+            </c:spPr>
+          </c:marker>
+          <c:cat>
+            <c:numRef>
+              <c:f>Sheet1!$A$2:$A$11</c:f>
+              <c:numCache>
+                <c:formatCode>General</c:formatCode>
+                <c:ptCount val="10"/>
+                <c:pt idx="0">
+                  <c:v>1</c:v>
+                </c:pt>
+                <c:pt idx="1">
+                  <c:v>2</c:v>
+                </c:pt>
+                <c:pt idx="2">
+                  <c:v>3</c:v>
+                </c:pt>
+                <c:pt idx="3">
+                  <c:v>4</c:v>
+                </c:pt>
+                <c:pt idx="4">
+                  <c:v>5</c:v>
+                </c:pt>
+                <c:pt idx="5">
+                  <c:v>6</c:v>
+                </c:pt>
+                <c:pt idx="6">
+                  <c:v>7</c:v>
+                </c:pt>
+                <c:pt idx="7">
+                  <c:v>8</c:v>
+                </c:pt>
+                <c:pt idx="8">
+                  <c:v>9</c:v>
+                </c:pt>
+                <c:pt idx="9">
+                  <c:v>10</c:v>
+                </c:pt>
+              </c:numCache>
+            </c:numRef>
+          </c:cat>
+          <c:val>
+            <c:numRef>
+              <c:f>Sheet1!$B$2:$B$11</c:f>
+              <c:numCache>
+                <c:formatCode>General</c:formatCode>
+                <c:ptCount val="10"/>
+                <c:pt idx="0">
+                  <c:v>0.96794400000000003</c:v>
+                </c:pt>
+                <c:pt idx="1">
+                  <c:v>0.89105999999999996</c:v>
+                </c:pt>
+                <c:pt idx="2">
+                  <c:v>0.77561999999999998</c:v>
+                </c:pt>
+                <c:pt idx="3">
+                  <c:v>0.69886999999999999</c:v>
+                </c:pt>
+                <c:pt idx="4">
+                  <c:v>0.63648300000000002</c:v>
+                </c:pt>
+                <c:pt idx="5">
+                  <c:v>0.57550999999999997</c:v>
+                </c:pt>
+                <c:pt idx="6">
+                  <c:v>0.51751000000000003</c:v>
+                </c:pt>
+                <c:pt idx="7">
+                  <c:v>0.45308999999999999</c:v>
+                </c:pt>
+                <c:pt idx="8">
+                  <c:v>0.42293999999999998</c:v>
+                </c:pt>
+                <c:pt idx="9">
+                  <c:v>0.37064000000000002</c:v>
+                </c:pt>
+              </c:numCache>
+            </c:numRef>
+          </c:val>
+          <c:smooth val="0"/>
+          <c:extLst>
+            <c:ext xmlns:c16="http://schemas.microsoft.com/office/drawing/2014/chart" uri="{C3380CC4-5D6E-409C-BE32-E72D297353CC}">
+              <c16:uniqueId val="{00000000-DA09-4603-9D63-F2BCFDB5F547}"/>
+            </c:ext>
+          </c:extLst>
+        </c:ser>
+        <c:ser>
+          <c:idx val="1"/>
+          <c:order val="1"/>
+          <c:tx>
+            <c:strRef>
+              <c:f>Sheet1!$C$1</c:f>
+              <c:strCache>
+                <c:ptCount val="1"/>
+                <c:pt idx="0">
+                  <c:v>Recall</c:v>
+                </c:pt>
+              </c:strCache>
+            </c:strRef>
+          </c:tx>
+          <c:spPr>
+            <a:ln w="22225" cap="rnd">
+              <a:solidFill>
+                <a:schemeClr val="accent2"/>
+              </a:solidFill>
+              <a:round/>
+            </a:ln>
+            <a:effectLst/>
+          </c:spPr>
+          <c:marker>
+            <c:symbol val="square"/>
+            <c:size val="6"/>
+            <c:spPr>
+              <a:solidFill>
+                <a:schemeClr val="accent2"/>
+              </a:solidFill>
+              <a:ln w="9525">
+                <a:solidFill>
+                  <a:schemeClr val="accent2"/>
+                </a:solidFill>
+                <a:round/>
+              </a:ln>
+              <a:effectLst/>
+            </c:spPr>
+          </c:marker>
+          <c:cat>
+            <c:numRef>
+              <c:f>Sheet1!$A$2:$A$11</c:f>
+              <c:numCache>
+                <c:formatCode>General</c:formatCode>
+                <c:ptCount val="10"/>
+                <c:pt idx="0">
+                  <c:v>1</c:v>
+                </c:pt>
+                <c:pt idx="1">
+                  <c:v>2</c:v>
+                </c:pt>
+                <c:pt idx="2">
+                  <c:v>3</c:v>
+                </c:pt>
+                <c:pt idx="3">
+                  <c:v>4</c:v>
+                </c:pt>
+                <c:pt idx="4">
+                  <c:v>5</c:v>
+                </c:pt>
+                <c:pt idx="5">
+                  <c:v>6</c:v>
+                </c:pt>
+                <c:pt idx="6">
+                  <c:v>7</c:v>
+                </c:pt>
+                <c:pt idx="7">
+                  <c:v>8</c:v>
+                </c:pt>
+                <c:pt idx="8">
+                  <c:v>9</c:v>
+                </c:pt>
+                <c:pt idx="9">
+                  <c:v>10</c:v>
+                </c:pt>
+              </c:numCache>
+            </c:numRef>
+          </c:cat>
+          <c:val>
+            <c:numRef>
+              <c:f>Sheet1!$C$2:$C$11</c:f>
+              <c:numCache>
+                <c:formatCode>General</c:formatCode>
+                <c:ptCount val="10"/>
+                <c:pt idx="0">
+                  <c:v>0.96719298245614005</c:v>
+                </c:pt>
+                <c:pt idx="1">
+                  <c:v>0.86577999999999999</c:v>
+                </c:pt>
+                <c:pt idx="2">
+                  <c:v>0.77666000000000002</c:v>
+                </c:pt>
+                <c:pt idx="3">
+                  <c:v>0.71120000000000005</c:v>
+                </c:pt>
+                <c:pt idx="4">
+                  <c:v>0.66210500000000005</c:v>
+                </c:pt>
+                <c:pt idx="5">
+                  <c:v>0.62244999999999995</c:v>
+                </c:pt>
+                <c:pt idx="6">
+                  <c:v>0.57438</c:v>
+                </c:pt>
+                <c:pt idx="7">
+                  <c:v>0.51</c:v>
+                </c:pt>
+                <c:pt idx="8">
+                  <c:v>0.48665999999999998</c:v>
+                </c:pt>
+                <c:pt idx="9">
+                  <c:v>0.44561000000000001</c:v>
+                </c:pt>
+              </c:numCache>
+            </c:numRef>
+          </c:val>
+          <c:smooth val="0"/>
+          <c:extLst>
+            <c:ext xmlns:c16="http://schemas.microsoft.com/office/drawing/2014/chart" uri="{C3380CC4-5D6E-409C-BE32-E72D297353CC}">
+              <c16:uniqueId val="{00000001-DA09-4603-9D63-F2BCFDB5F547}"/>
+            </c:ext>
+          </c:extLst>
+        </c:ser>
+        <c:ser>
+          <c:idx val="2"/>
+          <c:order val="2"/>
+          <c:tx>
+            <c:strRef>
+              <c:f>Sheet1!$D$1</c:f>
+              <c:strCache>
+                <c:ptCount val="1"/>
+                <c:pt idx="0">
+                  <c:v>f1-score</c:v>
+                </c:pt>
+              </c:strCache>
+            </c:strRef>
+          </c:tx>
+          <c:spPr>
+            <a:ln w="22225" cap="rnd">
+              <a:solidFill>
+                <a:schemeClr val="accent3"/>
+              </a:solidFill>
+              <a:round/>
+            </a:ln>
+            <a:effectLst/>
+          </c:spPr>
+          <c:marker>
+            <c:symbol val="triangle"/>
+            <c:size val="6"/>
+            <c:spPr>
+              <a:solidFill>
+                <a:schemeClr val="accent3"/>
+              </a:solidFill>
+              <a:ln w="9525">
+                <a:solidFill>
+                  <a:schemeClr val="accent3"/>
+                </a:solidFill>
+                <a:round/>
+              </a:ln>
+              <a:effectLst/>
+            </c:spPr>
+          </c:marker>
+          <c:cat>
+            <c:numRef>
+              <c:f>Sheet1!$A$2:$A$11</c:f>
+              <c:numCache>
+                <c:formatCode>General</c:formatCode>
+                <c:ptCount val="10"/>
+                <c:pt idx="0">
+                  <c:v>1</c:v>
+                </c:pt>
+                <c:pt idx="1">
+                  <c:v>2</c:v>
+                </c:pt>
+                <c:pt idx="2">
+                  <c:v>3</c:v>
+                </c:pt>
+                <c:pt idx="3">
+                  <c:v>4</c:v>
+                </c:pt>
+                <c:pt idx="4">
+                  <c:v>5</c:v>
+                </c:pt>
+                <c:pt idx="5">
+                  <c:v>6</c:v>
+                </c:pt>
+                <c:pt idx="6">
+                  <c:v>7</c:v>
+                </c:pt>
+                <c:pt idx="7">
+                  <c:v>8</c:v>
+                </c:pt>
+                <c:pt idx="8">
+                  <c:v>9</c:v>
+                </c:pt>
+                <c:pt idx="9">
+                  <c:v>10</c:v>
+                </c:pt>
+              </c:numCache>
+            </c:numRef>
+          </c:cat>
+          <c:val>
+            <c:numRef>
+              <c:f>Sheet1!$D$2:$D$11</c:f>
+              <c:numCache>
+                <c:formatCode>General</c:formatCode>
+                <c:ptCount val="10"/>
+                <c:pt idx="0">
+                  <c:v>0.96540255066570801</c:v>
+                </c:pt>
+                <c:pt idx="1">
+                  <c:v>0.86267000000000005</c:v>
+                </c:pt>
+                <c:pt idx="2">
+                  <c:v>0.75740200000000002</c:v>
+                </c:pt>
+                <c:pt idx="3">
+                  <c:v>0.68020999999999998</c:v>
+                </c:pt>
+                <c:pt idx="4">
+                  <c:v>0.62375999999999998</c:v>
+                </c:pt>
+                <c:pt idx="5">
+                  <c:v>0.57143999999999995</c:v>
+                </c:pt>
+                <c:pt idx="6">
+                  <c:v>0.51897000000000004</c:v>
+                </c:pt>
+                <c:pt idx="7">
+                  <c:v>0.45363399999999998</c:v>
+                </c:pt>
+                <c:pt idx="8">
+                  <c:v>0.42830000000000001</c:v>
+                </c:pt>
+                <c:pt idx="9">
+                  <c:v>0.38040600000000002</c:v>
+                </c:pt>
+              </c:numCache>
+            </c:numRef>
+          </c:val>
+          <c:smooth val="0"/>
+          <c:extLst>
+            <c:ext xmlns:c16="http://schemas.microsoft.com/office/drawing/2014/chart" uri="{C3380CC4-5D6E-409C-BE32-E72D297353CC}">
+              <c16:uniqueId val="{00000002-DA09-4603-9D63-F2BCFDB5F547}"/>
+            </c:ext>
+          </c:extLst>
+        </c:ser>
+        <c:dLbls>
+          <c:showLegendKey val="0"/>
+          <c:showVal val="0"/>
+          <c:showCatName val="0"/>
+          <c:showSerName val="0"/>
+          <c:showPercent val="0"/>
+          <c:showBubbleSize val="0"/>
+        </c:dLbls>
+        <c:marker val="1"/>
+        <c:smooth val="0"/>
+        <c:axId val="495574200"/>
+        <c:axId val="495574520"/>
+      </c:lineChart>
+      <c:catAx>
+        <c:axId val="495574200"/>
+        <c:scaling>
+          <c:orientation val="minMax"/>
+        </c:scaling>
+        <c:delete val="0"/>
+        <c:axPos val="b"/>
+        <c:majorGridlines>
+          <c:spPr>
+            <a:ln w="9525" cap="flat" cmpd="sng" algn="ctr">
+              <a:solidFill>
+                <a:schemeClr val="tx1">
+                  <a:lumMod val="15000"/>
+                  <a:lumOff val="85000"/>
+                </a:schemeClr>
+              </a:solidFill>
+              <a:round/>
+            </a:ln>
+            <a:effectLst/>
+          </c:spPr>
+        </c:majorGridlines>
+        <c:title>
+          <c:tx>
+            <c:rich>
+              <a:bodyPr rot="0" spcFirstLastPara="1" vertOverflow="ellipsis" vert="horz" wrap="square" anchor="ctr" anchorCtr="1"/>
+              <a:lstStyle/>
+              <a:p>
+                <a:pPr>
+                  <a:defRPr sz="1197" b="0" i="0" u="none" strike="noStrike" kern="1200" cap="all" baseline="0">
+                    <a:solidFill>
+                      <a:schemeClr val="tx1">
+                        <a:lumMod val="65000"/>
+                        <a:lumOff val="35000"/>
+                      </a:schemeClr>
+                    </a:solidFill>
+                    <a:latin typeface="+mn-lt"/>
+                    <a:ea typeface="+mn-ea"/>
+                    <a:cs typeface="+mn-cs"/>
+                  </a:defRPr>
+                </a:pPr>
+                <a:r>
+                  <a:rPr lang="en-CA"/>
+                  <a:t>K</a:t>
+                </a:r>
+              </a:p>
+            </c:rich>
+          </c:tx>
+          <c:layout>
+            <c:manualLayout>
+              <c:xMode val="edge"/>
+              <c:yMode val="edge"/>
+              <c:x val="0.51054774613299014"/>
+              <c:y val="0.88657948410165377"/>
+            </c:manualLayout>
+          </c:layout>
+          <c:overlay val="0"/>
+          <c:spPr>
+            <a:noFill/>
+            <a:ln>
+              <a:noFill/>
+            </a:ln>
+            <a:effectLst/>
+          </c:spPr>
+          <c:txPr>
+            <a:bodyPr rot="0" spcFirstLastPara="1" vertOverflow="ellipsis" vert="horz" wrap="square" anchor="ctr" anchorCtr="1"/>
+            <a:lstStyle/>
+            <a:p>
+              <a:pPr>
+                <a:defRPr sz="1197" b="0" i="0" u="none" strike="noStrike" kern="1200" cap="all" baseline="0">
+                  <a:solidFill>
+                    <a:schemeClr val="tx1">
+                      <a:lumMod val="65000"/>
+                      <a:lumOff val="35000"/>
+                    </a:schemeClr>
+                  </a:solidFill>
+                  <a:latin typeface="+mn-lt"/>
+                  <a:ea typeface="+mn-ea"/>
+                  <a:cs typeface="+mn-cs"/>
+                </a:defRPr>
+              </a:pPr>
+              <a:endParaRPr lang="en-US"/>
+            </a:p>
+          </c:txPr>
+        </c:title>
+        <c:numFmt formatCode="General" sourceLinked="1"/>
+        <c:majorTickMark val="none"/>
+        <c:minorTickMark val="none"/>
+        <c:tickLblPos val="nextTo"/>
+        <c:spPr>
+          <a:noFill/>
+          <a:ln w="9525" cap="flat" cmpd="sng" algn="ctr">
+            <a:solidFill>
+              <a:schemeClr val="tx1">
+                <a:lumMod val="15000"/>
+                <a:lumOff val="85000"/>
+              </a:schemeClr>
+            </a:solidFill>
+            <a:round/>
+          </a:ln>
+          <a:effectLst/>
+        </c:spPr>
+        <c:txPr>
+          <a:bodyPr rot="-60000000" spcFirstLastPara="1" vertOverflow="ellipsis" vert="horz" wrap="square" anchor="ctr" anchorCtr="1"/>
+          <a:lstStyle/>
+          <a:p>
+            <a:pPr>
+              <a:defRPr sz="1064" b="0" i="0" u="none" strike="noStrike" kern="1200" cap="all" spc="120" normalizeH="0" baseline="0">
+                <a:solidFill>
+                  <a:schemeClr val="tx1">
+                    <a:lumMod val="65000"/>
+                    <a:lumOff val="35000"/>
+                  </a:schemeClr>
+                </a:solidFill>
+                <a:latin typeface="+mn-lt"/>
+                <a:ea typeface="+mn-ea"/>
+                <a:cs typeface="+mn-cs"/>
+              </a:defRPr>
+            </a:pPr>
+            <a:endParaRPr lang="en-US"/>
+          </a:p>
+        </c:txPr>
+        <c:crossAx val="495574520"/>
+        <c:crosses val="autoZero"/>
+        <c:auto val="1"/>
+        <c:lblAlgn val="ctr"/>
+        <c:lblOffset val="100"/>
+        <c:noMultiLvlLbl val="0"/>
+      </c:catAx>
+      <c:valAx>
+        <c:axId val="495574520"/>
+        <c:scaling>
+          <c:orientation val="minMax"/>
+        </c:scaling>
+        <c:delete val="0"/>
+        <c:axPos val="l"/>
+        <c:numFmt formatCode="General" sourceLinked="1"/>
+        <c:majorTickMark val="none"/>
+        <c:minorTickMark val="none"/>
+        <c:tickLblPos val="nextTo"/>
+        <c:spPr>
+          <a:noFill/>
+          <a:ln w="9525" cap="flat" cmpd="sng" algn="ctr">
+            <a:solidFill>
+              <a:schemeClr val="dk1">
+                <a:lumMod val="15000"/>
+                <a:lumOff val="85000"/>
+              </a:schemeClr>
+            </a:solidFill>
+            <a:round/>
+          </a:ln>
+          <a:effectLst/>
+        </c:spPr>
+        <c:txPr>
+          <a:bodyPr rot="-60000000" spcFirstLastPara="1" vertOverflow="ellipsis" vert="horz" wrap="square" anchor="ctr" anchorCtr="1"/>
+          <a:lstStyle/>
+          <a:p>
+            <a:pPr>
+              <a:defRPr sz="1197" b="0" i="0" u="none" strike="noStrike" kern="1200" baseline="0">
+                <a:solidFill>
+                  <a:schemeClr val="tx1">
+                    <a:lumMod val="65000"/>
+                    <a:lumOff val="35000"/>
+                  </a:schemeClr>
+                </a:solidFill>
+                <a:latin typeface="+mn-lt"/>
+                <a:ea typeface="+mn-ea"/>
+                <a:cs typeface="+mn-cs"/>
+              </a:defRPr>
+            </a:pPr>
+            <a:endParaRPr lang="en-US"/>
+          </a:p>
+        </c:txPr>
+        <c:crossAx val="495574200"/>
+        <c:crosses val="autoZero"/>
+        <c:crossBetween val="between"/>
+      </c:valAx>
+      <c:spPr>
+        <a:noFill/>
+        <a:ln>
+          <a:noFill/>
+        </a:ln>
+        <a:effectLst/>
+      </c:spPr>
+    </c:plotArea>
+    <c:legend>
+      <c:legendPos val="t"/>
+      <c:overlay val="0"/>
+      <c:spPr>
+        <a:noFill/>
+        <a:ln>
+          <a:noFill/>
+        </a:ln>
+        <a:effectLst/>
+      </c:spPr>
+      <c:txPr>
+        <a:bodyPr rot="0" spcFirstLastPara="1" vertOverflow="ellipsis" vert="horz" wrap="square" anchor="ctr" anchorCtr="1"/>
+        <a:lstStyle/>
+        <a:p>
+          <a:pPr>
+            <a:defRPr sz="1197" b="0" i="0" u="none" strike="noStrike" kern="1200" baseline="0">
+              <a:solidFill>
+                <a:schemeClr val="tx1">
+                  <a:lumMod val="65000"/>
+                  <a:lumOff val="35000"/>
+                </a:schemeClr>
+              </a:solidFill>
+              <a:latin typeface="+mn-lt"/>
+              <a:ea typeface="+mn-ea"/>
+              <a:cs typeface="+mn-cs"/>
+            </a:defRPr>
+          </a:pPr>
+          <a:endParaRPr lang="en-US"/>
+        </a:p>
+      </c:txPr>
+    </c:legend>
+    <c:plotVisOnly val="1"/>
+    <c:dispBlanksAs val="gap"/>
+    <c:showDLblsOverMax val="0"/>
+  </c:chart>
+  <c:spPr>
+    <a:noFill/>
+    <a:ln>
+      <a:noFill/>
+    </a:ln>
+    <a:effectLst/>
+  </c:spPr>
+  <c:txPr>
+    <a:bodyPr/>
+    <a:lstStyle/>
+    <a:p>
+      <a:pPr>
+        <a:defRPr/>
+      </a:pPr>
+      <a:endParaRPr lang="en-US"/>
+    </a:p>
+  </c:txPr>
+  <c:externalData r:id="rId3">
+    <c:autoUpdate val="0"/>
+  </c:externalData>
+</c:chartSpace>
+</file>
+
+<file path=ppt/charts/chart2.xml><?xml version="1.0" encoding="utf-8"?>
+<c:chartSpace xmlns:c="http://schemas.openxmlformats.org/drawingml/2006/chart" xmlns:a="http://schemas.openxmlformats.org/drawingml/2006/main" xmlns:r="http://schemas.openxmlformats.org/officeDocument/2006/relationships" xmlns:c16r2="http://schemas.microsoft.com/office/drawing/2015/06/chart">
+  <c:date1904 val="0"/>
+  <c:lang val="en-US"/>
+  <c:roundedCorners val="0"/>
+  <mc:AlternateContent xmlns:mc="http://schemas.openxmlformats.org/markup-compatibility/2006">
+    <mc:Choice xmlns:c14="http://schemas.microsoft.com/office/drawing/2007/8/2/chart" Requires="c14">
+      <c14:style val="102"/>
+    </mc:Choice>
+    <mc:Fallback>
+      <c:style val="2"/>
+    </mc:Fallback>
+  </mc:AlternateContent>
+  <c:chart>
+    <c:autoTitleDeleted val="1"/>
+    <c:plotArea>
+      <c:layout/>
+      <c:lineChart>
+        <c:grouping val="standard"/>
+        <c:varyColors val="0"/>
+        <c:ser>
+          <c:idx val="0"/>
+          <c:order val="0"/>
+          <c:tx>
+            <c:strRef>
+              <c:f>Sheet2!$B$1</c:f>
+              <c:strCache>
+                <c:ptCount val="1"/>
+                <c:pt idx="0">
+                  <c:v>Precision</c:v>
+                </c:pt>
+              </c:strCache>
+            </c:strRef>
+          </c:tx>
+          <c:spPr>
+            <a:ln w="22225" cap="rnd">
+              <a:solidFill>
+                <a:schemeClr val="accent1"/>
+              </a:solidFill>
+              <a:round/>
+            </a:ln>
+            <a:effectLst/>
+          </c:spPr>
+          <c:marker>
+            <c:symbol val="diamond"/>
+            <c:size val="6"/>
+            <c:spPr>
+              <a:solidFill>
+                <a:schemeClr val="accent1"/>
+              </a:solidFill>
+              <a:ln w="9525">
+                <a:solidFill>
+                  <a:schemeClr val="accent1"/>
+                </a:solidFill>
+                <a:round/>
+              </a:ln>
+              <a:effectLst/>
+            </c:spPr>
+          </c:marker>
+          <c:cat>
+            <c:numRef>
+              <c:f>Sheet2!$A$2:$A$11</c:f>
+              <c:numCache>
+                <c:formatCode>General</c:formatCode>
+                <c:ptCount val="10"/>
+                <c:pt idx="0">
+                  <c:v>1</c:v>
+                </c:pt>
+                <c:pt idx="1">
+                  <c:v>2</c:v>
+                </c:pt>
+                <c:pt idx="2">
+                  <c:v>3</c:v>
+                </c:pt>
+                <c:pt idx="3">
+                  <c:v>4</c:v>
+                </c:pt>
+                <c:pt idx="4">
+                  <c:v>5</c:v>
+                </c:pt>
+                <c:pt idx="5">
+                  <c:v>6</c:v>
+                </c:pt>
+                <c:pt idx="6">
+                  <c:v>7</c:v>
+                </c:pt>
+                <c:pt idx="7">
+                  <c:v>8</c:v>
+                </c:pt>
+                <c:pt idx="8">
+                  <c:v>9</c:v>
+                </c:pt>
+                <c:pt idx="9">
+                  <c:v>10</c:v>
+                </c:pt>
+              </c:numCache>
+            </c:numRef>
+          </c:cat>
+          <c:val>
+            <c:numRef>
+              <c:f>Sheet2!$B$2:$B$11</c:f>
+              <c:numCache>
+                <c:formatCode>General</c:formatCode>
+                <c:ptCount val="10"/>
+                <c:pt idx="0">
+                  <c:v>0.95369999999999999</c:v>
+                </c:pt>
+                <c:pt idx="1">
+                  <c:v>0.92030000000000001</c:v>
+                </c:pt>
+                <c:pt idx="2">
+                  <c:v>0.871</c:v>
+                </c:pt>
+                <c:pt idx="3">
+                  <c:v>0.84490699999999996</c:v>
+                </c:pt>
+                <c:pt idx="4">
+                  <c:v>0.79184920000000003</c:v>
+                </c:pt>
+                <c:pt idx="5">
+                  <c:v>0.72255000000000003</c:v>
+                </c:pt>
+                <c:pt idx="6">
+                  <c:v>0.69144000000000005</c:v>
+                </c:pt>
+                <c:pt idx="7">
+                  <c:v>0.68110000000000004</c:v>
+                </c:pt>
+                <c:pt idx="8">
+                  <c:v>0.66270600000000002</c:v>
+                </c:pt>
+                <c:pt idx="9">
+                  <c:v>0.64071789000000001</c:v>
+                </c:pt>
+              </c:numCache>
+            </c:numRef>
+          </c:val>
+          <c:smooth val="0"/>
+          <c:extLst>
+            <c:ext xmlns:c16="http://schemas.microsoft.com/office/drawing/2014/chart" uri="{C3380CC4-5D6E-409C-BE32-E72D297353CC}">
+              <c16:uniqueId val="{00000000-540D-427D-A2FB-035244486249}"/>
+            </c:ext>
+          </c:extLst>
+        </c:ser>
+        <c:ser>
+          <c:idx val="1"/>
+          <c:order val="1"/>
+          <c:tx>
+            <c:strRef>
+              <c:f>Sheet2!$C$1</c:f>
+              <c:strCache>
+                <c:ptCount val="1"/>
+                <c:pt idx="0">
+                  <c:v>Recall</c:v>
+                </c:pt>
+              </c:strCache>
+            </c:strRef>
+          </c:tx>
+          <c:spPr>
+            <a:ln w="22225" cap="rnd">
+              <a:solidFill>
+                <a:schemeClr val="accent2"/>
+              </a:solidFill>
+              <a:round/>
+            </a:ln>
+            <a:effectLst/>
+          </c:spPr>
+          <c:marker>
+            <c:symbol val="square"/>
+            <c:size val="6"/>
+            <c:spPr>
+              <a:solidFill>
+                <a:schemeClr val="accent2"/>
+              </a:solidFill>
+              <a:ln w="9525">
+                <a:solidFill>
+                  <a:schemeClr val="accent2"/>
+                </a:solidFill>
+                <a:round/>
+              </a:ln>
+              <a:effectLst/>
+            </c:spPr>
+          </c:marker>
+          <c:cat>
+            <c:numRef>
+              <c:f>Sheet2!$A$2:$A$11</c:f>
+              <c:numCache>
+                <c:formatCode>General</c:formatCode>
+                <c:ptCount val="10"/>
+                <c:pt idx="0">
+                  <c:v>1</c:v>
+                </c:pt>
+                <c:pt idx="1">
+                  <c:v>2</c:v>
+                </c:pt>
+                <c:pt idx="2">
+                  <c:v>3</c:v>
+                </c:pt>
+                <c:pt idx="3">
+                  <c:v>4</c:v>
+                </c:pt>
+                <c:pt idx="4">
+                  <c:v>5</c:v>
+                </c:pt>
+                <c:pt idx="5">
+                  <c:v>6</c:v>
+                </c:pt>
+                <c:pt idx="6">
+                  <c:v>7</c:v>
+                </c:pt>
+                <c:pt idx="7">
+                  <c:v>8</c:v>
+                </c:pt>
+                <c:pt idx="8">
+                  <c:v>9</c:v>
+                </c:pt>
+                <c:pt idx="9">
+                  <c:v>10</c:v>
+                </c:pt>
+              </c:numCache>
+            </c:numRef>
+          </c:cat>
+          <c:val>
+            <c:numRef>
+              <c:f>Sheet2!$C$2:$C$11</c:f>
+              <c:numCache>
+                <c:formatCode>General</c:formatCode>
+                <c:ptCount val="10"/>
+                <c:pt idx="0">
+                  <c:v>0.95330000000000004</c:v>
+                </c:pt>
+                <c:pt idx="1">
+                  <c:v>0.90659999999999996</c:v>
+                </c:pt>
+                <c:pt idx="2">
+                  <c:v>0.85329999999999995</c:v>
+                </c:pt>
+                <c:pt idx="3">
+                  <c:v>0.81499999999999995</c:v>
+                </c:pt>
+                <c:pt idx="4">
+                  <c:v>0.76866000000000001</c:v>
+                </c:pt>
+                <c:pt idx="5">
+                  <c:v>0.74365999999999999</c:v>
+                </c:pt>
+                <c:pt idx="6">
+                  <c:v>0.72065999999999997</c:v>
+                </c:pt>
+                <c:pt idx="7">
+                  <c:v>0.71666660000000004</c:v>
+                </c:pt>
+                <c:pt idx="8">
+                  <c:v>0.70665999999999995</c:v>
+                </c:pt>
+                <c:pt idx="9">
+                  <c:v>0.69166000000000005</c:v>
+                </c:pt>
+              </c:numCache>
+            </c:numRef>
+          </c:val>
+          <c:smooth val="0"/>
+          <c:extLst>
+            <c:ext xmlns:c16="http://schemas.microsoft.com/office/drawing/2014/chart" uri="{C3380CC4-5D6E-409C-BE32-E72D297353CC}">
+              <c16:uniqueId val="{00000001-540D-427D-A2FB-035244486249}"/>
+            </c:ext>
+          </c:extLst>
+        </c:ser>
+        <c:ser>
+          <c:idx val="2"/>
+          <c:order val="2"/>
+          <c:tx>
+            <c:strRef>
+              <c:f>Sheet2!$D$1</c:f>
+              <c:strCache>
+                <c:ptCount val="1"/>
+                <c:pt idx="0">
+                  <c:v>f1-score</c:v>
+                </c:pt>
+              </c:strCache>
+            </c:strRef>
+          </c:tx>
+          <c:spPr>
+            <a:ln w="22225" cap="rnd">
+              <a:solidFill>
+                <a:schemeClr val="accent3"/>
+              </a:solidFill>
+              <a:round/>
+            </a:ln>
+            <a:effectLst/>
+          </c:spPr>
+          <c:marker>
+            <c:symbol val="triangle"/>
+            <c:size val="6"/>
+            <c:spPr>
+              <a:solidFill>
+                <a:schemeClr val="accent3"/>
+              </a:solidFill>
+              <a:ln w="9525">
+                <a:solidFill>
+                  <a:schemeClr val="accent3"/>
+                </a:solidFill>
+                <a:round/>
+              </a:ln>
+              <a:effectLst/>
+            </c:spPr>
+          </c:marker>
+          <c:cat>
+            <c:numRef>
+              <c:f>Sheet2!$A$2:$A$11</c:f>
+              <c:numCache>
+                <c:formatCode>General</c:formatCode>
+                <c:ptCount val="10"/>
+                <c:pt idx="0">
+                  <c:v>1</c:v>
+                </c:pt>
+                <c:pt idx="1">
+                  <c:v>2</c:v>
+                </c:pt>
+                <c:pt idx="2">
+                  <c:v>3</c:v>
+                </c:pt>
+                <c:pt idx="3">
+                  <c:v>4</c:v>
+                </c:pt>
+                <c:pt idx="4">
+                  <c:v>5</c:v>
+                </c:pt>
+                <c:pt idx="5">
+                  <c:v>6</c:v>
+                </c:pt>
+                <c:pt idx="6">
+                  <c:v>7</c:v>
+                </c:pt>
+                <c:pt idx="7">
+                  <c:v>8</c:v>
+                </c:pt>
+                <c:pt idx="8">
+                  <c:v>9</c:v>
+                </c:pt>
+                <c:pt idx="9">
+                  <c:v>10</c:v>
+                </c:pt>
+              </c:numCache>
+            </c:numRef>
+          </c:cat>
+          <c:val>
+            <c:numRef>
+              <c:f>Sheet2!$D$2:$D$11</c:f>
+              <c:numCache>
+                <c:formatCode>General</c:formatCode>
+                <c:ptCount val="10"/>
+                <c:pt idx="0">
+                  <c:v>0.95109999999999995</c:v>
+                </c:pt>
+                <c:pt idx="1">
+                  <c:v>0.90290000000000004</c:v>
+                </c:pt>
+                <c:pt idx="2">
+                  <c:v>0.84189999999999998</c:v>
+                </c:pt>
+                <c:pt idx="3">
+                  <c:v>0.80569999999999997</c:v>
+                </c:pt>
+                <c:pt idx="4">
+                  <c:v>0.75635549999999996</c:v>
+                </c:pt>
+                <c:pt idx="5">
+                  <c:v>0.71719599999999994</c:v>
+                </c:pt>
+                <c:pt idx="6">
+                  <c:v>0.68756972999999999</c:v>
+                </c:pt>
+                <c:pt idx="7">
+                  <c:v>0.67736300000000005</c:v>
+                </c:pt>
+                <c:pt idx="8">
+                  <c:v>0.66313849999999996</c:v>
+                </c:pt>
+                <c:pt idx="9">
+                  <c:v>0.64920999999999995</c:v>
+                </c:pt>
+              </c:numCache>
+            </c:numRef>
+          </c:val>
+          <c:smooth val="0"/>
+          <c:extLst>
+            <c:ext xmlns:c16="http://schemas.microsoft.com/office/drawing/2014/chart" uri="{C3380CC4-5D6E-409C-BE32-E72D297353CC}">
+              <c16:uniqueId val="{00000002-540D-427D-A2FB-035244486249}"/>
+            </c:ext>
+          </c:extLst>
+        </c:ser>
+        <c:dLbls>
+          <c:showLegendKey val="0"/>
+          <c:showVal val="0"/>
+          <c:showCatName val="0"/>
+          <c:showSerName val="0"/>
+          <c:showPercent val="0"/>
+          <c:showBubbleSize val="0"/>
+        </c:dLbls>
+        <c:marker val="1"/>
+        <c:smooth val="0"/>
+        <c:axId val="495575480"/>
+        <c:axId val="495571640"/>
+      </c:lineChart>
+      <c:catAx>
+        <c:axId val="495575480"/>
+        <c:scaling>
+          <c:orientation val="minMax"/>
+        </c:scaling>
+        <c:delete val="0"/>
+        <c:axPos val="b"/>
+        <c:majorGridlines>
+          <c:spPr>
+            <a:ln w="9525" cap="flat" cmpd="sng" algn="ctr">
+              <a:solidFill>
+                <a:schemeClr val="tx1">
+                  <a:lumMod val="15000"/>
+                  <a:lumOff val="85000"/>
+                </a:schemeClr>
+              </a:solidFill>
+              <a:round/>
+            </a:ln>
+            <a:effectLst/>
+          </c:spPr>
+        </c:majorGridlines>
+        <c:title>
+          <c:tx>
+            <c:rich>
+              <a:bodyPr rot="0" spcFirstLastPara="1" vertOverflow="ellipsis" vert="horz" wrap="square" anchor="ctr" anchorCtr="1"/>
+              <a:lstStyle/>
+              <a:p>
+                <a:pPr>
+                  <a:defRPr sz="1197" b="0" i="0" u="none" strike="noStrike" kern="1200" cap="all" baseline="0">
+                    <a:solidFill>
+                      <a:schemeClr val="tx1">
+                        <a:lumMod val="65000"/>
+                        <a:lumOff val="35000"/>
+                      </a:schemeClr>
+                    </a:solidFill>
+                    <a:latin typeface="+mn-lt"/>
+                    <a:ea typeface="+mn-ea"/>
+                    <a:cs typeface="+mn-cs"/>
+                  </a:defRPr>
+                </a:pPr>
+                <a:r>
+                  <a:rPr lang="en-CA"/>
+                  <a:t>K</a:t>
+                </a:r>
+              </a:p>
+            </c:rich>
+          </c:tx>
+          <c:overlay val="0"/>
+          <c:spPr>
+            <a:noFill/>
+            <a:ln>
+              <a:noFill/>
+            </a:ln>
+            <a:effectLst/>
+          </c:spPr>
+          <c:txPr>
+            <a:bodyPr rot="0" spcFirstLastPara="1" vertOverflow="ellipsis" vert="horz" wrap="square" anchor="ctr" anchorCtr="1"/>
+            <a:lstStyle/>
+            <a:p>
+              <a:pPr>
+                <a:defRPr sz="1197" b="0" i="0" u="none" strike="noStrike" kern="1200" cap="all" baseline="0">
+                  <a:solidFill>
+                    <a:schemeClr val="tx1">
+                      <a:lumMod val="65000"/>
+                      <a:lumOff val="35000"/>
+                    </a:schemeClr>
+                  </a:solidFill>
+                  <a:latin typeface="+mn-lt"/>
+                  <a:ea typeface="+mn-ea"/>
+                  <a:cs typeface="+mn-cs"/>
+                </a:defRPr>
+              </a:pPr>
+              <a:endParaRPr lang="en-US"/>
+            </a:p>
+          </c:txPr>
+        </c:title>
+        <c:numFmt formatCode="General" sourceLinked="1"/>
+        <c:majorTickMark val="none"/>
+        <c:minorTickMark val="none"/>
+        <c:tickLblPos val="nextTo"/>
+        <c:spPr>
+          <a:noFill/>
+          <a:ln w="9525" cap="flat" cmpd="sng" algn="ctr">
+            <a:solidFill>
+              <a:schemeClr val="tx1">
+                <a:lumMod val="15000"/>
+                <a:lumOff val="85000"/>
+              </a:schemeClr>
+            </a:solidFill>
+            <a:round/>
+          </a:ln>
+          <a:effectLst/>
+        </c:spPr>
+        <c:txPr>
+          <a:bodyPr rot="-60000000" spcFirstLastPara="1" vertOverflow="ellipsis" vert="horz" wrap="square" anchor="ctr" anchorCtr="1"/>
+          <a:lstStyle/>
+          <a:p>
+            <a:pPr>
+              <a:defRPr sz="1064" b="0" i="0" u="none" strike="noStrike" kern="1200" cap="all" spc="120" normalizeH="0" baseline="0">
+                <a:solidFill>
+                  <a:schemeClr val="tx1">
+                    <a:lumMod val="65000"/>
+                    <a:lumOff val="35000"/>
+                  </a:schemeClr>
+                </a:solidFill>
+                <a:latin typeface="+mn-lt"/>
+                <a:ea typeface="+mn-ea"/>
+                <a:cs typeface="+mn-cs"/>
+              </a:defRPr>
+            </a:pPr>
+            <a:endParaRPr lang="en-US"/>
+          </a:p>
+        </c:txPr>
+        <c:crossAx val="495571640"/>
+        <c:crosses val="autoZero"/>
+        <c:auto val="1"/>
+        <c:lblAlgn val="ctr"/>
+        <c:lblOffset val="100"/>
+        <c:noMultiLvlLbl val="0"/>
+      </c:catAx>
+      <c:valAx>
+        <c:axId val="495571640"/>
+        <c:scaling>
+          <c:orientation val="minMax"/>
+        </c:scaling>
+        <c:delete val="0"/>
+        <c:axPos val="l"/>
+        <c:numFmt formatCode="General" sourceLinked="1"/>
+        <c:majorTickMark val="none"/>
+        <c:minorTickMark val="none"/>
+        <c:tickLblPos val="nextTo"/>
+        <c:spPr>
+          <a:noFill/>
+          <a:ln w="9525" cap="flat" cmpd="sng" algn="ctr">
+            <a:solidFill>
+              <a:schemeClr val="dk1">
+                <a:lumMod val="15000"/>
+                <a:lumOff val="85000"/>
+              </a:schemeClr>
+            </a:solidFill>
+            <a:round/>
+          </a:ln>
+          <a:effectLst/>
+        </c:spPr>
+        <c:txPr>
+          <a:bodyPr rot="-60000000" spcFirstLastPara="1" vertOverflow="ellipsis" vert="horz" wrap="square" anchor="ctr" anchorCtr="1"/>
+          <a:lstStyle/>
+          <a:p>
+            <a:pPr>
+              <a:defRPr sz="1197" b="0" i="0" u="none" strike="noStrike" kern="1200" baseline="0">
+                <a:solidFill>
+                  <a:schemeClr val="tx1">
+                    <a:lumMod val="65000"/>
+                    <a:lumOff val="35000"/>
+                  </a:schemeClr>
+                </a:solidFill>
+                <a:latin typeface="+mn-lt"/>
+                <a:ea typeface="+mn-ea"/>
+                <a:cs typeface="+mn-cs"/>
+              </a:defRPr>
+            </a:pPr>
+            <a:endParaRPr lang="en-US"/>
+          </a:p>
+        </c:txPr>
+        <c:crossAx val="495575480"/>
+        <c:crosses val="autoZero"/>
+        <c:crossBetween val="between"/>
+      </c:valAx>
+      <c:spPr>
+        <a:noFill/>
+        <a:ln>
+          <a:noFill/>
+        </a:ln>
+        <a:effectLst/>
+      </c:spPr>
+    </c:plotArea>
+    <c:legend>
+      <c:legendPos val="t"/>
+      <c:overlay val="0"/>
+      <c:spPr>
+        <a:noFill/>
+        <a:ln>
+          <a:noFill/>
+        </a:ln>
+        <a:effectLst/>
+      </c:spPr>
+      <c:txPr>
+        <a:bodyPr rot="0" spcFirstLastPara="1" vertOverflow="ellipsis" vert="horz" wrap="square" anchor="ctr" anchorCtr="1"/>
+        <a:lstStyle/>
+        <a:p>
+          <a:pPr>
+            <a:defRPr sz="1197" b="0" i="0" u="none" strike="noStrike" kern="1200" baseline="0">
+              <a:solidFill>
+                <a:schemeClr val="tx1">
+                  <a:lumMod val="65000"/>
+                  <a:lumOff val="35000"/>
+                </a:schemeClr>
+              </a:solidFill>
+              <a:latin typeface="+mn-lt"/>
+              <a:ea typeface="+mn-ea"/>
+              <a:cs typeface="+mn-cs"/>
+            </a:defRPr>
+          </a:pPr>
+          <a:endParaRPr lang="en-US"/>
+        </a:p>
+      </c:txPr>
+    </c:legend>
+    <c:plotVisOnly val="1"/>
+    <c:dispBlanksAs val="gap"/>
+    <c:showDLblsOverMax val="0"/>
+  </c:chart>
+  <c:spPr>
+    <a:noFill/>
+    <a:ln>
+      <a:noFill/>
+    </a:ln>
+    <a:effectLst/>
+  </c:spPr>
+  <c:txPr>
+    <a:bodyPr/>
+    <a:lstStyle/>
+    <a:p>
+      <a:pPr>
+        <a:defRPr/>
+      </a:pPr>
+      <a:endParaRPr lang="en-US"/>
+    </a:p>
+  </c:txPr>
+  <c:externalData r:id="rId3">
+    <c:autoUpdate val="0"/>
+  </c:externalData>
+</c:chartSpace>
+</file>
+
+<file path=ppt/charts/colors1.xml><?xml version="1.0" encoding="utf-8"?>
+<cs:colorStyle xmlns:cs="http://schemas.microsoft.com/office/drawing/2012/chartStyle" xmlns:a="http://schemas.openxmlformats.org/drawingml/2006/main" meth="cycle" id="10">
+  <a:schemeClr val="accent1"/>
+  <a:schemeClr val="accent2"/>
+  <a:schemeClr val="accent3"/>
+  <a:schemeClr val="accent4"/>
+  <a:schemeClr val="accent5"/>
+  <a:schemeClr val="accent6"/>
+  <cs:variation/>
+  <cs:variation>
+    <a:lumMod val="60000"/>
+  </cs:variation>
+  <cs:variation>
+    <a:lumMod val="80000"/>
+    <a:lumOff val="20000"/>
+  </cs:variation>
+  <cs:variation>
+    <a:lumMod val="80000"/>
+  </cs:variation>
+  <cs:variation>
+    <a:lumMod val="60000"/>
+    <a:lumOff val="40000"/>
+  </cs:variation>
+  <cs:variation>
+    <a:lumMod val="50000"/>
+  </cs:variation>
+  <cs:variation>
+    <a:lumMod val="70000"/>
+    <a:lumOff val="30000"/>
+  </cs:variation>
+  <cs:variation>
+    <a:lumMod val="70000"/>
+  </cs:variation>
+  <cs:variation>
+    <a:lumMod val="50000"/>
+    <a:lumOff val="50000"/>
+  </cs:variation>
+</cs:colorStyle>
+</file>
+
+<file path=ppt/charts/colors2.xml><?xml version="1.0" encoding="utf-8"?>
+<cs:colorStyle xmlns:cs="http://schemas.microsoft.com/office/drawing/2012/chartStyle" xmlns:a="http://schemas.openxmlformats.org/drawingml/2006/main" meth="cycle" id="10">
+  <a:schemeClr val="accent1"/>
+  <a:schemeClr val="accent2"/>
+  <a:schemeClr val="accent3"/>
+  <a:schemeClr val="accent4"/>
+  <a:schemeClr val="accent5"/>
+  <a:schemeClr val="accent6"/>
+  <cs:variation/>
+  <cs:variation>
+    <a:lumMod val="60000"/>
+  </cs:variation>
+  <cs:variation>
+    <a:lumMod val="80000"/>
+    <a:lumOff val="20000"/>
+  </cs:variation>
+  <cs:variation>
+    <a:lumMod val="80000"/>
+  </cs:variation>
+  <cs:variation>
+    <a:lumMod val="60000"/>
+    <a:lumOff val="40000"/>
+  </cs:variation>
+  <cs:variation>
+    <a:lumMod val="50000"/>
+  </cs:variation>
+  <cs:variation>
+    <a:lumMod val="70000"/>
+    <a:lumOff val="30000"/>
+  </cs:variation>
+  <cs:variation>
+    <a:lumMod val="70000"/>
+  </cs:variation>
+  <cs:variation>
+    <a:lumMod val="50000"/>
+    <a:lumOff val="50000"/>
+  </cs:variation>
+</cs:colorStyle>
+</file>
+
+<file path=ppt/charts/style1.xml><?xml version="1.0" encoding="utf-8"?>
+<cs:chartStyle xmlns:cs="http://schemas.microsoft.com/office/drawing/2012/chartStyle" xmlns:a="http://schemas.openxmlformats.org/drawingml/2006/main" id="239">
+  <cs:axisTitle>
+    <cs:lnRef idx="0"/>
+    <cs:fillRef idx="0"/>
+    <cs:effectRef idx="0"/>
+    <cs:fontRef idx="minor">
+      <a:schemeClr val="tx1">
+        <a:lumMod val="65000"/>
+        <a:lumOff val="35000"/>
+      </a:schemeClr>
+    </cs:fontRef>
+    <cs:defRPr sz="1197" kern="1200" cap="all"/>
+  </cs:axisTitle>
+  <cs:categoryAxis>
+    <cs:lnRef idx="0"/>
+    <cs:fillRef idx="0"/>
+    <cs:effectRef idx="0"/>
+    <cs:fontRef idx="minor">
+      <a:schemeClr val="tx1">
+        <a:lumMod val="65000"/>
+        <a:lumOff val="35000"/>
+      </a:schemeClr>
+    </cs:fontRef>
+    <cs:spPr>
+      <a:ln w="9525" cap="flat" cmpd="sng" algn="ctr">
+        <a:solidFill>
+          <a:schemeClr val="tx1">
+            <a:lumMod val="15000"/>
+            <a:lumOff val="85000"/>
+          </a:schemeClr>
+        </a:solidFill>
+        <a:round/>
+      </a:ln>
+    </cs:spPr>
+    <cs:defRPr sz="1064" kern="1200" cap="all" spc="120" normalizeH="0" baseline="0"/>
+  </cs:categoryAxis>
+  <cs:chartArea mods="allowNoFillOverride allowNoLineOverride">
+    <cs:lnRef idx="0"/>
+    <cs:fillRef idx="0"/>
+    <cs:effectRef idx="0"/>
+    <cs:fontRef idx="minor">
+      <a:schemeClr val="dk1"/>
+    </cs:fontRef>
+    <cs:spPr>
+      <a:solidFill>
+        <a:schemeClr val="lt1"/>
+      </a:solidFill>
+      <a:ln w="9525" cap="flat" cmpd="sng" algn="ctr">
+        <a:solidFill>
+          <a:schemeClr val="tx1">
+            <a:lumMod val="15000"/>
+            <a:lumOff val="85000"/>
+          </a:schemeClr>
+        </a:solidFill>
+        <a:round/>
+      </a:ln>
+    </cs:spPr>
+    <cs:defRPr sz="1197" kern="1200"/>
+  </cs:chartArea>
+  <cs:dataLabel>
+    <cs:lnRef idx="0"/>
+    <cs:fillRef idx="0"/>
+    <cs:effectRef idx="0"/>
+    <cs:fontRef idx="minor">
+      <a:schemeClr val="tx1">
+        <a:lumMod val="50000"/>
+        <a:lumOff val="50000"/>
+      </a:schemeClr>
+    </cs:fontRef>
+    <cs:defRPr sz="1197" b="0" i="0" u="none" strike="noStrike" kern="1200" baseline="0"/>
+  </cs:dataLabel>
+  <cs:dataLabelCallout>
+    <cs:lnRef idx="0"/>
+    <cs:fillRef idx="0"/>
+    <cs:effectRef idx="0"/>
+    <cs:fontRef idx="minor">
+      <a:schemeClr val="dk1">
+        <a:lumMod val="65000"/>
+        <a:lumOff val="35000"/>
+      </a:schemeClr>
+    </cs:fontRef>
+    <cs:spPr>
+      <a:solidFill>
+        <a:schemeClr val="lt1"/>
+      </a:solidFill>
+      <a:ln>
+        <a:solidFill>
+          <a:schemeClr val="dk1">
+            <a:lumMod val="25000"/>
+            <a:lumOff val="75000"/>
+          </a:schemeClr>
+        </a:solidFill>
+      </a:ln>
+    </cs:spPr>
+    <cs:defRPr sz="1197" kern="1200"/>
+    <cs:bodyPr rot="0" spcFirstLastPara="1" vertOverflow="clip" horzOverflow="clip" vert="horz" wrap="square" lIns="36576" tIns="18288" rIns="36576" bIns="18288" anchor="ctr" anchorCtr="1">
+      <a:spAutoFit/>
+    </cs:bodyPr>
+  </cs:dataLabelCallout>
+  <cs:dataPoint>
+    <cs:lnRef idx="0"/>
+    <cs:fillRef idx="0">
+      <cs:styleClr val="auto"/>
+    </cs:fillRef>
+    <cs:effectRef idx="0"/>
+    <cs:fontRef idx="minor">
+      <a:schemeClr val="dk1"/>
+    </cs:fontRef>
+    <cs:spPr>
+      <a:solidFill>
+        <a:schemeClr val="phClr"/>
+      </a:solidFill>
+    </cs:spPr>
+  </cs:dataPoint>
+  <cs:dataPoint3D>
+    <cs:lnRef idx="0"/>
+    <cs:fillRef idx="0">
+      <cs:styleClr val="auto"/>
+    </cs:fillRef>
+    <cs:effectRef idx="0"/>
+    <cs:fontRef idx="minor">
+      <a:schemeClr val="dk1"/>
+    </cs:fontRef>
+    <cs:spPr>
+      <a:solidFill>
+        <a:schemeClr val="phClr"/>
+      </a:solidFill>
+    </cs:spPr>
+  </cs:dataPoint3D>
+  <cs:dataPointLine>
+    <cs:lnRef idx="0">
+      <cs:styleClr val="auto"/>
+    </cs:lnRef>
+    <cs:fillRef idx="0"/>
+    <cs:effectRef idx="0"/>
+    <cs:fontRef idx="minor">
+      <a:schemeClr val="dk1"/>
+    </cs:fontRef>
+    <cs:spPr>
+      <a:ln w="22225" cap="rnd">
+        <a:solidFill>
+          <a:schemeClr val="phClr"/>
+        </a:solidFill>
+        <a:round/>
+      </a:ln>
+    </cs:spPr>
+  </cs:dataPointLine>
+  <cs:dataPointMarker>
+    <cs:lnRef idx="0">
+      <cs:styleClr val="auto"/>
+    </cs:lnRef>
+    <cs:fillRef idx="0">
+      <cs:styleClr val="auto"/>
+    </cs:fillRef>
+    <cs:effectRef idx="0"/>
+    <cs:fontRef idx="minor">
+      <a:schemeClr val="dk1"/>
+    </cs:fontRef>
+    <cs:spPr>
+      <a:solidFill>
+        <a:schemeClr val="phClr"/>
+      </a:solidFill>
+      <a:ln w="9525">
+        <a:solidFill>
+          <a:schemeClr val="phClr"/>
+        </a:solidFill>
+        <a:round/>
+      </a:ln>
+    </cs:spPr>
+  </cs:dataPointMarker>
+  <cs:dataPointMarkerLayout size="6"/>
+  <cs:dataPointWireframe>
+    <cs:lnRef idx="0">
+      <cs:styleClr val="auto"/>
+    </cs:lnRef>
+    <cs:fillRef idx="0"/>
+    <cs:effectRef idx="0"/>
+    <cs:fontRef idx="minor">
+      <a:schemeClr val="dk1"/>
+    </cs:fontRef>
+    <cs:spPr>
+      <a:ln w="9525" cap="rnd">
+        <a:solidFill>
+          <a:schemeClr val="phClr"/>
+        </a:solidFill>
+        <a:round/>
+      </a:ln>
+    </cs:spPr>
+  </cs:dataPointWireframe>
+  <cs:dataTable>
+    <cs:lnRef idx="0"/>
+    <cs:fillRef idx="0"/>
+    <cs:effectRef idx="0"/>
+    <cs:fontRef idx="minor">
+      <a:schemeClr val="tx1">
+        <a:lumMod val="65000"/>
+        <a:lumOff val="35000"/>
+      </a:schemeClr>
+    </cs:fontRef>
+    <cs:spPr>
+      <a:ln w="9525">
+        <a:solidFill>
+          <a:schemeClr val="tx1">
+            <a:lumMod val="15000"/>
+            <a:lumOff val="85000"/>
+          </a:schemeClr>
+        </a:solidFill>
+      </a:ln>
+    </cs:spPr>
+    <cs:defRPr sz="1197" kern="1200"/>
+  </cs:dataTable>
+  <cs:downBar>
+    <cs:lnRef idx="0"/>
+    <cs:fillRef idx="0"/>
+    <cs:effectRef idx="0"/>
+    <cs:fontRef idx="minor">
+      <a:schemeClr val="dk1"/>
+    </cs:fontRef>
+    <cs:spPr>
+      <a:solidFill>
+        <a:schemeClr val="dk1">
+          <a:lumMod val="75000"/>
+          <a:lumOff val="25000"/>
+        </a:schemeClr>
+      </a:solidFill>
+      <a:ln w="9525">
+        <a:solidFill>
+          <a:schemeClr val="tx1">
+            <a:lumMod val="15000"/>
+            <a:lumOff val="85000"/>
+          </a:schemeClr>
+        </a:solidFill>
+      </a:ln>
+    </cs:spPr>
+  </cs:downBar>
+  <cs:dropLine>
+    <cs:lnRef idx="0"/>
+    <cs:fillRef idx="0"/>
+    <cs:effectRef idx="0"/>
+    <cs:fontRef idx="minor">
+      <a:schemeClr val="dk1"/>
+    </cs:fontRef>
+    <cs:spPr>
+      <a:ln w="9525">
+        <a:solidFill>
+          <a:schemeClr val="tx1">
+            <a:lumMod val="35000"/>
+            <a:lumOff val="65000"/>
+          </a:schemeClr>
+        </a:solidFill>
+      </a:ln>
+    </cs:spPr>
+  </cs:dropLine>
+  <cs:errorBar>
+    <cs:lnRef idx="0"/>
+    <cs:fillRef idx="0"/>
+    <cs:effectRef idx="0"/>
+    <cs:fontRef idx="minor">
+      <a:schemeClr val="dk1"/>
+    </cs:fontRef>
+    <cs:spPr>
+      <a:ln w="9525">
+        <a:solidFill>
+          <a:schemeClr val="tx1">
+            <a:lumMod val="65000"/>
+            <a:lumOff val="35000"/>
+          </a:schemeClr>
+        </a:solidFill>
+        <a:round/>
+      </a:ln>
+    </cs:spPr>
+  </cs:errorBar>
+  <cs:floor>
+    <cs:lnRef idx="0"/>
+    <cs:fillRef idx="0"/>
+    <cs:effectRef idx="0"/>
+    <cs:fontRef idx="minor">
+      <a:schemeClr val="dk1"/>
+    </cs:fontRef>
+  </cs:floor>
+  <cs:gridlineMajor>
+    <cs:lnRef idx="0"/>
+    <cs:fillRef idx="0"/>
+    <cs:effectRef idx="0"/>
+    <cs:fontRef idx="minor">
+      <a:schemeClr val="dk1"/>
+    </cs:fontRef>
+    <cs:spPr>
+      <a:ln w="9525" cap="flat" cmpd="sng" algn="ctr">
+        <a:solidFill>
+          <a:schemeClr val="tx1">
+            <a:lumMod val="15000"/>
+            <a:lumOff val="85000"/>
+          </a:schemeClr>
+        </a:solidFill>
+        <a:round/>
+      </a:ln>
+    </cs:spPr>
+  </cs:gridlineMajor>
+  <cs:gridlineMinor>
+    <cs:lnRef idx="0"/>
+    <cs:fillRef idx="0"/>
+    <cs:effectRef idx="0"/>
+    <cs:fontRef idx="minor">
+      <a:schemeClr val="dk1"/>
+    </cs:fontRef>
+    <cs:spPr>
+      <a:ln>
+        <a:solidFill>
+          <a:schemeClr val="tx1">
+            <a:lumMod val="5000"/>
+            <a:lumOff val="95000"/>
+          </a:schemeClr>
+        </a:solidFill>
+      </a:ln>
+    </cs:spPr>
+  </cs:gridlineMinor>
+  <cs:hiLoLine>
+    <cs:lnRef idx="0"/>
+    <cs:fillRef idx="0"/>
+    <cs:effectRef idx="0"/>
+    <cs:fontRef idx="minor">
+      <a:schemeClr val="dk1"/>
+    </cs:fontRef>
+    <cs:spPr>
+      <a:ln w="9525">
+        <a:solidFill>
+          <a:schemeClr val="tx1">
+            <a:lumMod val="50000"/>
+            <a:lumOff val="50000"/>
+          </a:schemeClr>
+        </a:solidFill>
+      </a:ln>
+    </cs:spPr>
+  </cs:hiLoLine>
+  <cs:leaderLine>
+    <cs:lnRef idx="0"/>
+    <cs:fillRef idx="0"/>
+    <cs:effectRef idx="0"/>
+    <cs:fontRef idx="minor">
+      <a:schemeClr val="dk1"/>
+    </cs:fontRef>
+    <cs:spPr>
+      <a:ln w="9525">
+        <a:solidFill>
+          <a:schemeClr val="tx1">
+            <a:lumMod val="35000"/>
+            <a:lumOff val="65000"/>
+          </a:schemeClr>
+        </a:solidFill>
+      </a:ln>
+    </cs:spPr>
+  </cs:leaderLine>
+  <cs:legend>
+    <cs:lnRef idx="0"/>
+    <cs:fillRef idx="0"/>
+    <cs:effectRef idx="0"/>
+    <cs:fontRef idx="minor">
+      <a:schemeClr val="tx1">
+        <a:lumMod val="65000"/>
+        <a:lumOff val="35000"/>
+      </a:schemeClr>
+    </cs:fontRef>
+    <cs:defRPr sz="1197" kern="1200"/>
+  </cs:legend>
+  <cs:plotArea mods="allowNoFillOverride allowNoLineOverride">
+    <cs:lnRef idx="0"/>
+    <cs:fillRef idx="0"/>
+    <cs:effectRef idx="0"/>
+    <cs:fontRef idx="minor">
+      <a:schemeClr val="dk1"/>
+    </cs:fontRef>
+  </cs:plotArea>
+  <cs:plotArea3D mods="allowNoFillOverride allowNoLineOverride">
+    <cs:lnRef idx="0"/>
+    <cs:fillRef idx="0"/>
+    <cs:effectRef idx="0"/>
+    <cs:fontRef idx="minor">
+      <a:schemeClr val="dk1"/>
+    </cs:fontRef>
+  </cs:plotArea3D>
+  <cs:seriesAxis>
+    <cs:lnRef idx="0"/>
+    <cs:fillRef idx="0"/>
+    <cs:effectRef idx="0"/>
+    <cs:fontRef idx="minor">
+      <a:schemeClr val="tx1">
+        <a:lumMod val="65000"/>
+        <a:lumOff val="35000"/>
+      </a:schemeClr>
+    </cs:fontRef>
+    <cs:spPr>
+      <a:ln w="9525" cap="flat" cmpd="sng" algn="ctr">
+        <a:solidFill>
+          <a:schemeClr val="tx1">
+            <a:lumMod val="15000"/>
+            <a:lumOff val="85000"/>
+          </a:schemeClr>
+        </a:solidFill>
+        <a:round/>
+      </a:ln>
+    </cs:spPr>
+    <cs:defRPr sz="1197" kern="1200"/>
+  </cs:seriesAxis>
+  <cs:seriesLine>
+    <cs:lnRef idx="0"/>
+    <cs:fillRef idx="0"/>
+    <cs:effectRef idx="0"/>
+    <cs:fontRef idx="minor">
+      <a:schemeClr val="dk1"/>
+    </cs:fontRef>
+    <cs:spPr>
+      <a:ln w="9525">
+        <a:solidFill>
+          <a:schemeClr val="tx1">
+            <a:lumMod val="35000"/>
+            <a:lumOff val="65000"/>
+          </a:schemeClr>
+        </a:solidFill>
+        <a:round/>
+      </a:ln>
+    </cs:spPr>
+  </cs:seriesLine>
+  <cs:title>
+    <cs:lnRef idx="0"/>
+    <cs:fillRef idx="0"/>
+    <cs:effectRef idx="0"/>
+    <cs:fontRef idx="minor">
+      <a:schemeClr val="tx1">
+        <a:lumMod val="65000"/>
+        <a:lumOff val="35000"/>
+      </a:schemeClr>
+    </cs:fontRef>
+    <cs:defRPr sz="2128" b="1" kern="1200" cap="all" spc="120" normalizeH="0" baseline="0"/>
+  </cs:title>
+  <cs:trendline>
+    <cs:lnRef idx="0">
+      <cs:styleClr val="auto"/>
+    </cs:lnRef>
+    <cs:fillRef idx="0"/>
+    <cs:effectRef idx="0"/>
+    <cs:fontRef idx="minor">
+      <a:schemeClr val="dk1"/>
+    </cs:fontRef>
+    <cs:spPr>
+      <a:ln w="19050" cap="rnd">
+        <a:solidFill>
+          <a:schemeClr val="phClr"/>
+        </a:solidFill>
+        <a:prstDash val="sysDash"/>
+      </a:ln>
+    </cs:spPr>
+  </cs:trendline>
+  <cs:trendlineLabel>
+    <cs:lnRef idx="0"/>
+    <cs:fillRef idx="0"/>
+    <cs:effectRef idx="0"/>
+    <cs:fontRef idx="minor">
+      <a:schemeClr val="tx1">
+        <a:lumMod val="65000"/>
+        <a:lumOff val="35000"/>
+      </a:schemeClr>
+    </cs:fontRef>
+    <cs:defRPr sz="1064" kern="1200"/>
+  </cs:trendlineLabel>
+  <cs:upBar>
+    <cs:lnRef idx="0"/>
+    <cs:fillRef idx="0"/>
+    <cs:effectRef idx="0"/>
+    <cs:fontRef idx="minor">
+      <a:schemeClr val="dk1"/>
+    </cs:fontRef>
+    <cs:spPr>
+      <a:solidFill>
+        <a:schemeClr val="lt1"/>
+      </a:solidFill>
+      <a:ln w="9525">
+        <a:solidFill>
+          <a:schemeClr val="tx1">
+            <a:lumMod val="65000"/>
+            <a:lumOff val="35000"/>
+          </a:schemeClr>
+        </a:solidFill>
+      </a:ln>
+    </cs:spPr>
+  </cs:upBar>
+  <cs:valueAxis>
+    <cs:lnRef idx="0"/>
+    <cs:fillRef idx="0"/>
+    <cs:effectRef idx="0"/>
+    <cs:fontRef idx="minor">
+      <a:schemeClr val="tx1">
+        <a:lumMod val="65000"/>
+        <a:lumOff val="35000"/>
+      </a:schemeClr>
+    </cs:fontRef>
+    <cs:spPr>
+      <a:ln w="9525" cap="flat" cmpd="sng" algn="ctr">
+        <a:solidFill>
+          <a:schemeClr val="dk1">
+            <a:lumMod val="15000"/>
+            <a:lumOff val="85000"/>
+          </a:schemeClr>
+        </a:solidFill>
+        <a:round/>
+      </a:ln>
+    </cs:spPr>
+    <cs:defRPr sz="1197" kern="1200"/>
+  </cs:valueAxis>
+  <cs:wall>
+    <cs:lnRef idx="0"/>
+    <cs:fillRef idx="0"/>
+    <cs:effectRef idx="0"/>
+    <cs:fontRef idx="minor">
+      <a:schemeClr val="dk1"/>
+    </cs:fontRef>
+  </cs:wall>
+</cs:chartStyle>
+</file>
+
+<file path=ppt/charts/style2.xml><?xml version="1.0" encoding="utf-8"?>
+<cs:chartStyle xmlns:cs="http://schemas.microsoft.com/office/drawing/2012/chartStyle" xmlns:a="http://schemas.openxmlformats.org/drawingml/2006/main" id="239">
+  <cs:axisTitle>
+    <cs:lnRef idx="0"/>
+    <cs:fillRef idx="0"/>
+    <cs:effectRef idx="0"/>
+    <cs:fontRef idx="minor">
+      <a:schemeClr val="tx1">
+        <a:lumMod val="65000"/>
+        <a:lumOff val="35000"/>
+      </a:schemeClr>
+    </cs:fontRef>
+    <cs:defRPr sz="1197" kern="1200" cap="all"/>
+  </cs:axisTitle>
+  <cs:categoryAxis>
+    <cs:lnRef idx="0"/>
+    <cs:fillRef idx="0"/>
+    <cs:effectRef idx="0"/>
+    <cs:fontRef idx="minor">
+      <a:schemeClr val="tx1">
+        <a:lumMod val="65000"/>
+        <a:lumOff val="35000"/>
+      </a:schemeClr>
+    </cs:fontRef>
+    <cs:spPr>
+      <a:ln w="9525" cap="flat" cmpd="sng" algn="ctr">
+        <a:solidFill>
+          <a:schemeClr val="tx1">
+            <a:lumMod val="15000"/>
+            <a:lumOff val="85000"/>
+          </a:schemeClr>
+        </a:solidFill>
+        <a:round/>
+      </a:ln>
+    </cs:spPr>
+    <cs:defRPr sz="1064" kern="1200" cap="all" spc="120" normalizeH="0" baseline="0"/>
+  </cs:categoryAxis>
+  <cs:chartArea mods="allowNoFillOverride allowNoLineOverride">
+    <cs:lnRef idx="0"/>
+    <cs:fillRef idx="0"/>
+    <cs:effectRef idx="0"/>
+    <cs:fontRef idx="minor">
+      <a:schemeClr val="dk1"/>
+    </cs:fontRef>
+    <cs:spPr>
+      <a:solidFill>
+        <a:schemeClr val="lt1"/>
+      </a:solidFill>
+      <a:ln w="9525" cap="flat" cmpd="sng" algn="ctr">
+        <a:solidFill>
+          <a:schemeClr val="tx1">
+            <a:lumMod val="15000"/>
+            <a:lumOff val="85000"/>
+          </a:schemeClr>
+        </a:solidFill>
+        <a:round/>
+      </a:ln>
+    </cs:spPr>
+    <cs:defRPr sz="1197" kern="1200"/>
+  </cs:chartArea>
+  <cs:dataLabel>
+    <cs:lnRef idx="0"/>
+    <cs:fillRef idx="0"/>
+    <cs:effectRef idx="0"/>
+    <cs:fontRef idx="minor">
+      <a:schemeClr val="tx1">
+        <a:lumMod val="50000"/>
+        <a:lumOff val="50000"/>
+      </a:schemeClr>
+    </cs:fontRef>
+    <cs:defRPr sz="1197" b="0" i="0" u="none" strike="noStrike" kern="1200" baseline="0"/>
+  </cs:dataLabel>
+  <cs:dataLabelCallout>
+    <cs:lnRef idx="0"/>
+    <cs:fillRef idx="0"/>
+    <cs:effectRef idx="0"/>
+    <cs:fontRef idx="minor">
+      <a:schemeClr val="dk1">
+        <a:lumMod val="65000"/>
+        <a:lumOff val="35000"/>
+      </a:schemeClr>
+    </cs:fontRef>
+    <cs:spPr>
+      <a:solidFill>
+        <a:schemeClr val="lt1"/>
+      </a:solidFill>
+      <a:ln>
+        <a:solidFill>
+          <a:schemeClr val="dk1">
+            <a:lumMod val="25000"/>
+            <a:lumOff val="75000"/>
+          </a:schemeClr>
+        </a:solidFill>
+      </a:ln>
+    </cs:spPr>
+    <cs:defRPr sz="1197" kern="1200"/>
+    <cs:bodyPr rot="0" spcFirstLastPara="1" vertOverflow="clip" horzOverflow="clip" vert="horz" wrap="square" lIns="36576" tIns="18288" rIns="36576" bIns="18288" anchor="ctr" anchorCtr="1">
+      <a:spAutoFit/>
+    </cs:bodyPr>
+  </cs:dataLabelCallout>
+  <cs:dataPoint>
+    <cs:lnRef idx="0"/>
+    <cs:fillRef idx="0">
+      <cs:styleClr val="auto"/>
+    </cs:fillRef>
+    <cs:effectRef idx="0"/>
+    <cs:fontRef idx="minor">
+      <a:schemeClr val="dk1"/>
+    </cs:fontRef>
+    <cs:spPr>
+      <a:solidFill>
+        <a:schemeClr val="phClr"/>
+      </a:solidFill>
+    </cs:spPr>
+  </cs:dataPoint>
+  <cs:dataPoint3D>
+    <cs:lnRef idx="0"/>
+    <cs:fillRef idx="0">
+      <cs:styleClr val="auto"/>
+    </cs:fillRef>
+    <cs:effectRef idx="0"/>
+    <cs:fontRef idx="minor">
+      <a:schemeClr val="dk1"/>
+    </cs:fontRef>
+    <cs:spPr>
+      <a:solidFill>
+        <a:schemeClr val="phClr"/>
+      </a:solidFill>
+    </cs:spPr>
+  </cs:dataPoint3D>
+  <cs:dataPointLine>
+    <cs:lnRef idx="0">
+      <cs:styleClr val="auto"/>
+    </cs:lnRef>
+    <cs:fillRef idx="0"/>
+    <cs:effectRef idx="0"/>
+    <cs:fontRef idx="minor">
+      <a:schemeClr val="dk1"/>
+    </cs:fontRef>
+    <cs:spPr>
+      <a:ln w="22225" cap="rnd">
+        <a:solidFill>
+          <a:schemeClr val="phClr"/>
+        </a:solidFill>
+        <a:round/>
+      </a:ln>
+    </cs:spPr>
+  </cs:dataPointLine>
+  <cs:dataPointMarker>
+    <cs:lnRef idx="0">
+      <cs:styleClr val="auto"/>
+    </cs:lnRef>
+    <cs:fillRef idx="0">
+      <cs:styleClr val="auto"/>
+    </cs:fillRef>
+    <cs:effectRef idx="0"/>
+    <cs:fontRef idx="minor">
+      <a:schemeClr val="dk1"/>
+    </cs:fontRef>
+    <cs:spPr>
+      <a:solidFill>
+        <a:schemeClr val="phClr"/>
+      </a:solidFill>
+      <a:ln w="9525">
+        <a:solidFill>
+          <a:schemeClr val="phClr"/>
+        </a:solidFill>
+        <a:round/>
+      </a:ln>
+    </cs:spPr>
+  </cs:dataPointMarker>
+  <cs:dataPointMarkerLayout size="6"/>
+  <cs:dataPointWireframe>
+    <cs:lnRef idx="0">
+      <cs:styleClr val="auto"/>
+    </cs:lnRef>
+    <cs:fillRef idx="0"/>
+    <cs:effectRef idx="0"/>
+    <cs:fontRef idx="minor">
+      <a:schemeClr val="dk1"/>
+    </cs:fontRef>
+    <cs:spPr>
+      <a:ln w="9525" cap="rnd">
+        <a:solidFill>
+          <a:schemeClr val="phClr"/>
+        </a:solidFill>
+        <a:round/>
+      </a:ln>
+    </cs:spPr>
+  </cs:dataPointWireframe>
+  <cs:dataTable>
+    <cs:lnRef idx="0"/>
+    <cs:fillRef idx="0"/>
+    <cs:effectRef idx="0"/>
+    <cs:fontRef idx="minor">
+      <a:schemeClr val="tx1">
+        <a:lumMod val="65000"/>
+        <a:lumOff val="35000"/>
+      </a:schemeClr>
+    </cs:fontRef>
+    <cs:spPr>
+      <a:ln w="9525">
+        <a:solidFill>
+          <a:schemeClr val="tx1">
+            <a:lumMod val="15000"/>
+            <a:lumOff val="85000"/>
+          </a:schemeClr>
+        </a:solidFill>
+      </a:ln>
+    </cs:spPr>
+    <cs:defRPr sz="1197" kern="1200"/>
+  </cs:dataTable>
+  <cs:downBar>
+    <cs:lnRef idx="0"/>
+    <cs:fillRef idx="0"/>
+    <cs:effectRef idx="0"/>
+    <cs:fontRef idx="minor">
+      <a:schemeClr val="dk1"/>
+    </cs:fontRef>
+    <cs:spPr>
+      <a:solidFill>
+        <a:schemeClr val="dk1">
+          <a:lumMod val="75000"/>
+          <a:lumOff val="25000"/>
+        </a:schemeClr>
+      </a:solidFill>
+      <a:ln w="9525">
+        <a:solidFill>
+          <a:schemeClr val="tx1">
+            <a:lumMod val="15000"/>
+            <a:lumOff val="85000"/>
+          </a:schemeClr>
+        </a:solidFill>
+      </a:ln>
+    </cs:spPr>
+  </cs:downBar>
+  <cs:dropLine>
+    <cs:lnRef idx="0"/>
+    <cs:fillRef idx="0"/>
+    <cs:effectRef idx="0"/>
+    <cs:fontRef idx="minor">
+      <a:schemeClr val="dk1"/>
+    </cs:fontRef>
+    <cs:spPr>
+      <a:ln w="9525">
+        <a:solidFill>
+          <a:schemeClr val="tx1">
+            <a:lumMod val="35000"/>
+            <a:lumOff val="65000"/>
+          </a:schemeClr>
+        </a:solidFill>
+      </a:ln>
+    </cs:spPr>
+  </cs:dropLine>
+  <cs:errorBar>
+    <cs:lnRef idx="0"/>
+    <cs:fillRef idx="0"/>
+    <cs:effectRef idx="0"/>
+    <cs:fontRef idx="minor">
+      <a:schemeClr val="dk1"/>
+    </cs:fontRef>
+    <cs:spPr>
+      <a:ln w="9525">
+        <a:solidFill>
+          <a:schemeClr val="tx1">
+            <a:lumMod val="65000"/>
+            <a:lumOff val="35000"/>
+          </a:schemeClr>
+        </a:solidFill>
+        <a:round/>
+      </a:ln>
+    </cs:spPr>
+  </cs:errorBar>
+  <cs:floor>
+    <cs:lnRef idx="0"/>
+    <cs:fillRef idx="0"/>
+    <cs:effectRef idx="0"/>
+    <cs:fontRef idx="minor">
+      <a:schemeClr val="dk1"/>
+    </cs:fontRef>
+  </cs:floor>
+  <cs:gridlineMajor>
+    <cs:lnRef idx="0"/>
+    <cs:fillRef idx="0"/>
+    <cs:effectRef idx="0"/>
+    <cs:fontRef idx="minor">
+      <a:schemeClr val="dk1"/>
+    </cs:fontRef>
+    <cs:spPr>
+      <a:ln w="9525" cap="flat" cmpd="sng" algn="ctr">
+        <a:solidFill>
+          <a:schemeClr val="tx1">
+            <a:lumMod val="15000"/>
+            <a:lumOff val="85000"/>
+          </a:schemeClr>
+        </a:solidFill>
+        <a:round/>
+      </a:ln>
+    </cs:spPr>
+  </cs:gridlineMajor>
+  <cs:gridlineMinor>
+    <cs:lnRef idx="0"/>
+    <cs:fillRef idx="0"/>
+    <cs:effectRef idx="0"/>
+    <cs:fontRef idx="minor">
+      <a:schemeClr val="dk1"/>
+    </cs:fontRef>
+    <cs:spPr>
+      <a:ln>
+        <a:solidFill>
+          <a:schemeClr val="tx1">
+            <a:lumMod val="5000"/>
+            <a:lumOff val="95000"/>
+          </a:schemeClr>
+        </a:solidFill>
+      </a:ln>
+    </cs:spPr>
+  </cs:gridlineMinor>
+  <cs:hiLoLine>
+    <cs:lnRef idx="0"/>
+    <cs:fillRef idx="0"/>
+    <cs:effectRef idx="0"/>
+    <cs:fontRef idx="minor">
+      <a:schemeClr val="dk1"/>
+    </cs:fontRef>
+    <cs:spPr>
+      <a:ln w="9525">
+        <a:solidFill>
+          <a:schemeClr val="tx1">
+            <a:lumMod val="50000"/>
+            <a:lumOff val="50000"/>
+          </a:schemeClr>
+        </a:solidFill>
+      </a:ln>
+    </cs:spPr>
+  </cs:hiLoLine>
+  <cs:leaderLine>
+    <cs:lnRef idx="0"/>
+    <cs:fillRef idx="0"/>
+    <cs:effectRef idx="0"/>
+    <cs:fontRef idx="minor">
+      <a:schemeClr val="dk1"/>
+    </cs:fontRef>
+    <cs:spPr>
+      <a:ln w="9525">
+        <a:solidFill>
+          <a:schemeClr val="tx1">
+            <a:lumMod val="35000"/>
+            <a:lumOff val="65000"/>
+          </a:schemeClr>
+        </a:solidFill>
+      </a:ln>
+    </cs:spPr>
+  </cs:leaderLine>
+  <cs:legend>
+    <cs:lnRef idx="0"/>
+    <cs:fillRef idx="0"/>
+    <cs:effectRef idx="0"/>
+    <cs:fontRef idx="minor">
+      <a:schemeClr val="tx1">
+        <a:lumMod val="65000"/>
+        <a:lumOff val="35000"/>
+      </a:schemeClr>
+    </cs:fontRef>
+    <cs:defRPr sz="1197" kern="1200"/>
+  </cs:legend>
+  <cs:plotArea mods="allowNoFillOverride allowNoLineOverride">
+    <cs:lnRef idx="0"/>
+    <cs:fillRef idx="0"/>
+    <cs:effectRef idx="0"/>
+    <cs:fontRef idx="minor">
+      <a:schemeClr val="dk1"/>
+    </cs:fontRef>
+  </cs:plotArea>
+  <cs:plotArea3D mods="allowNoFillOverride allowNoLineOverride">
+    <cs:lnRef idx="0"/>
+    <cs:fillRef idx="0"/>
+    <cs:effectRef idx="0"/>
+    <cs:fontRef idx="minor">
+      <a:schemeClr val="dk1"/>
+    </cs:fontRef>
+  </cs:plotArea3D>
+  <cs:seriesAxis>
+    <cs:lnRef idx="0"/>
+    <cs:fillRef idx="0"/>
+    <cs:effectRef idx="0"/>
+    <cs:fontRef idx="minor">
+      <a:schemeClr val="tx1">
+        <a:lumMod val="65000"/>
+        <a:lumOff val="35000"/>
+      </a:schemeClr>
+    </cs:fontRef>
+    <cs:spPr>
+      <a:ln w="9525" cap="flat" cmpd="sng" algn="ctr">
+        <a:solidFill>
+          <a:schemeClr val="tx1">
+            <a:lumMod val="15000"/>
+            <a:lumOff val="85000"/>
+          </a:schemeClr>
+        </a:solidFill>
+        <a:round/>
+      </a:ln>
+    </cs:spPr>
+    <cs:defRPr sz="1197" kern="1200"/>
+  </cs:seriesAxis>
+  <cs:seriesLine>
+    <cs:lnRef idx="0"/>
+    <cs:fillRef idx="0"/>
+    <cs:effectRef idx="0"/>
+    <cs:fontRef idx="minor">
+      <a:schemeClr val="dk1"/>
+    </cs:fontRef>
+    <cs:spPr>
+      <a:ln w="9525">
+        <a:solidFill>
+          <a:schemeClr val="tx1">
+            <a:lumMod val="35000"/>
+            <a:lumOff val="65000"/>
+          </a:schemeClr>
+        </a:solidFill>
+        <a:round/>
+      </a:ln>
+    </cs:spPr>
+  </cs:seriesLine>
+  <cs:title>
+    <cs:lnRef idx="0"/>
+    <cs:fillRef idx="0"/>
+    <cs:effectRef idx="0"/>
+    <cs:fontRef idx="minor">
+      <a:schemeClr val="tx1">
+        <a:lumMod val="65000"/>
+        <a:lumOff val="35000"/>
+      </a:schemeClr>
+    </cs:fontRef>
+    <cs:defRPr sz="2128" b="1" kern="1200" cap="all" spc="120" normalizeH="0" baseline="0"/>
+  </cs:title>
+  <cs:trendline>
+    <cs:lnRef idx="0">
+      <cs:styleClr val="auto"/>
+    </cs:lnRef>
+    <cs:fillRef idx="0"/>
+    <cs:effectRef idx="0"/>
+    <cs:fontRef idx="minor">
+      <a:schemeClr val="dk1"/>
+    </cs:fontRef>
+    <cs:spPr>
+      <a:ln w="19050" cap="rnd">
+        <a:solidFill>
+          <a:schemeClr val="phClr"/>
+        </a:solidFill>
+        <a:prstDash val="sysDash"/>
+      </a:ln>
+    </cs:spPr>
+  </cs:trendline>
+  <cs:trendlineLabel>
+    <cs:lnRef idx="0"/>
+    <cs:fillRef idx="0"/>
+    <cs:effectRef idx="0"/>
+    <cs:fontRef idx="minor">
+      <a:schemeClr val="tx1">
+        <a:lumMod val="65000"/>
+        <a:lumOff val="35000"/>
+      </a:schemeClr>
+    </cs:fontRef>
+    <cs:defRPr sz="1064" kern="1200"/>
+  </cs:trendlineLabel>
+  <cs:upBar>
+    <cs:lnRef idx="0"/>
+    <cs:fillRef idx="0"/>
+    <cs:effectRef idx="0"/>
+    <cs:fontRef idx="minor">
+      <a:schemeClr val="dk1"/>
+    </cs:fontRef>
+    <cs:spPr>
+      <a:solidFill>
+        <a:schemeClr val="lt1"/>
+      </a:solidFill>
+      <a:ln w="9525">
+        <a:solidFill>
+          <a:schemeClr val="tx1">
+            <a:lumMod val="65000"/>
+            <a:lumOff val="35000"/>
+          </a:schemeClr>
+        </a:solidFill>
+      </a:ln>
+    </cs:spPr>
+  </cs:upBar>
+  <cs:valueAxis>
+    <cs:lnRef idx="0"/>
+    <cs:fillRef idx="0"/>
+    <cs:effectRef idx="0"/>
+    <cs:fontRef idx="minor">
+      <a:schemeClr val="tx1">
+        <a:lumMod val="65000"/>
+        <a:lumOff val="35000"/>
+      </a:schemeClr>
+    </cs:fontRef>
+    <cs:spPr>
+      <a:ln w="9525" cap="flat" cmpd="sng" algn="ctr">
+        <a:solidFill>
+          <a:schemeClr val="dk1">
+            <a:lumMod val="15000"/>
+            <a:lumOff val="85000"/>
+          </a:schemeClr>
+        </a:solidFill>
+        <a:round/>
+      </a:ln>
+    </cs:spPr>
+    <cs:defRPr sz="1197" kern="1200"/>
+  </cs:valueAxis>
+  <cs:wall>
+    <cs:lnRef idx="0"/>
+    <cs:fillRef idx="0"/>
+    <cs:effectRef idx="0"/>
+    <cs:fontRef idx="minor">
+      <a:schemeClr val="dk1"/>
+    </cs:fontRef>
+  </cs:wall>
+</cs:chartStyle>
 </file>
 
 <file path=ppt/slideLayouts/slideLayout1.xml><?xml version="1.0" encoding="utf-8"?>
@@ -3433,7 +5896,7 @@
           <a:p>
             <a:r>
               <a:rPr lang="en-US" dirty="0"/>
-              <a:t>Transfer proteins classification based on TC number </a:t>
+              <a:t>Transporter proteins classification based on TC number </a:t>
             </a:r>
             <a:endParaRPr lang="en-CA" dirty="0"/>
           </a:p>
@@ -3668,7 +6131,7 @@
           <a:p>
             <a:r>
               <a:rPr lang="en-US" dirty="0"/>
-              <a:t>Classification</a:t>
+              <a:t>Classification Specifications</a:t>
             </a:r>
             <a:endParaRPr lang="en-CA" dirty="0"/>
           </a:p>
@@ -4106,7 +6569,7 @@
           <a:p>
             <a:r>
               <a:rPr lang="en-US" dirty="0"/>
-              <a:t>Results</a:t>
+              <a:t>Results: family dataset</a:t>
             </a:r>
             <a:endParaRPr lang="en-CA" dirty="0"/>
           </a:p>
@@ -4308,14 +6771,14 @@
             <p:ph idx="1"/>
             <p:extLst>
               <p:ext uri="{D42A27DB-BD31-4B8C-83A1-F6EECF244321}">
-                <p14:modId xmlns:p14="http://schemas.microsoft.com/office/powerpoint/2010/main" val="3434419156"/>
+                <p14:modId xmlns:p14="http://schemas.microsoft.com/office/powerpoint/2010/main" val="2857860214"/>
               </p:ext>
             </p:extLst>
           </p:nvPr>
         </p:nvGraphicFramePr>
         <p:xfrm>
-          <a:off x="1818167" y="3169037"/>
-          <a:ext cx="7935430" cy="1906885"/>
+          <a:off x="1857703" y="2731624"/>
+          <a:ext cx="9055278" cy="3200400"/>
         </p:xfrm>
         <a:graphic>
           <a:graphicData uri="http://schemas.openxmlformats.org/drawingml/2006/table">
@@ -4324,35 +6787,42 @@
                 <a:tableStyleId>{5C22544A-7EE6-4342-B048-85BDC9FD1C3A}</a:tableStyleId>
               </a:tblPr>
               <a:tblGrid>
-                <a:gridCol w="1903228">
+                <a:gridCol w="1588230">
                   <a:extLst>
                     <a:ext uri="{9D8B030D-6E8A-4147-A177-3AD203B41FA5}">
                       <a16:colId xmlns:a16="http://schemas.microsoft.com/office/drawing/2014/main" val="2597072314"/>
                     </a:ext>
                   </a:extLst>
                 </a:gridCol>
-                <a:gridCol w="1270944">
+                <a:gridCol w="2230236">
+                  <a:extLst>
+                    <a:ext uri="{9D8B030D-6E8A-4147-A177-3AD203B41FA5}">
+                      <a16:colId xmlns:a16="http://schemas.microsoft.com/office/drawing/2014/main" val="2664260091"/>
+                    </a:ext>
+                  </a:extLst>
+                </a:gridCol>
+                <a:gridCol w="1265946">
                   <a:extLst>
                     <a:ext uri="{9D8B030D-6E8A-4147-A177-3AD203B41FA5}">
                       <a16:colId xmlns:a16="http://schemas.microsoft.com/office/drawing/2014/main" val="1139189522"/>
                     </a:ext>
                   </a:extLst>
                 </a:gridCol>
-                <a:gridCol w="1587086">
+                <a:gridCol w="1049430">
                   <a:extLst>
                     <a:ext uri="{9D8B030D-6E8A-4147-A177-3AD203B41FA5}">
                       <a16:colId xmlns:a16="http://schemas.microsoft.com/office/drawing/2014/main" val="2749855959"/>
                     </a:ext>
                   </a:extLst>
                 </a:gridCol>
-                <a:gridCol w="1587086">
+                <a:gridCol w="1460718">
                   <a:extLst>
                     <a:ext uri="{9D8B030D-6E8A-4147-A177-3AD203B41FA5}">
                       <a16:colId xmlns:a16="http://schemas.microsoft.com/office/drawing/2014/main" val="217646935"/>
                     </a:ext>
                   </a:extLst>
                 </a:gridCol>
-                <a:gridCol w="1587086">
+                <a:gridCol w="1460718">
                   <a:extLst>
                     <a:ext uri="{9D8B030D-6E8A-4147-A177-3AD203B41FA5}">
                       <a16:colId xmlns:a16="http://schemas.microsoft.com/office/drawing/2014/main" val="1332582260"/>
@@ -4368,7 +6838,7 @@
                     <a:p>
                       <a:r>
                         <a:rPr lang="en-US" dirty="0"/>
-                        <a:t>classifier</a:t>
+                        <a:t>Classifier</a:t>
                       </a:r>
                       <a:endParaRPr lang="en-CA" dirty="0"/>
                     </a:p>
@@ -4382,7 +6852,7 @@
                     <a:p>
                       <a:r>
                         <a:rPr lang="en-US" dirty="0"/>
-                        <a:t>Feature vector</a:t>
+                        <a:t>Specification</a:t>
                       </a:r>
                       <a:endParaRPr lang="en-CA" dirty="0"/>
                     </a:p>
@@ -4396,7 +6866,21 @@
                     <a:p>
                       <a:r>
                         <a:rPr lang="en-US" dirty="0"/>
-                        <a:t>precision</a:t>
+                        <a:t>Best Feature vector</a:t>
+                      </a:r>
+                      <a:endParaRPr lang="en-CA" dirty="0"/>
+                    </a:p>
+                  </a:txBody>
+                  <a:tcPr/>
+                </a:tc>
+                <a:tc>
+                  <a:txBody>
+                    <a:bodyPr/>
+                    <a:lstStyle/>
+                    <a:p>
+                      <a:r>
+                        <a:rPr lang="en-US" dirty="0"/>
+                        <a:t>Precision</a:t>
                       </a:r>
                       <a:endParaRPr lang="en-CA" dirty="0"/>
                     </a:p>
@@ -4446,6 +6930,27 @@
                       <a:r>
                         <a:rPr lang="en-US" dirty="0"/>
                         <a:t>SVM</a:t>
+                      </a:r>
+                      <a:endParaRPr lang="en-CA" dirty="0"/>
+                    </a:p>
+                  </a:txBody>
+                  <a:tcPr/>
+                </a:tc>
+                <a:tc>
+                  <a:txBody>
+                    <a:bodyPr/>
+                    <a:lstStyle/>
+                    <a:p>
+                      <a:r>
+                        <a:rPr lang="en-US" dirty="0"/>
+                        <a:t>RBF kernel</a:t>
+                      </a:r>
+                      <a:br>
+                        <a:rPr lang="en-US" dirty="0"/>
+                      </a:br>
+                      <a:r>
+                        <a:rPr lang="en-US" dirty="0"/>
+                        <a:t>gamma = 0.1 &amp; c=10</a:t>
                       </a:r>
                       <a:endParaRPr lang="en-CA" dirty="0"/>
                     </a:p>
@@ -4514,7 +7019,7 @@
                   </a:ext>
                 </a:extLst>
               </a:tr>
-              <a:tr h="406102">
+              <a:tr h="556435">
                 <a:tc>
                   <a:txBody>
                     <a:bodyPr/>
@@ -4523,6 +7028,115 @@
                       <a:r>
                         <a:rPr lang="en-US" dirty="0"/>
                         <a:t>Random Forrest</a:t>
+                      </a:r>
+                      <a:endParaRPr lang="en-CA" dirty="0"/>
+                    </a:p>
+                  </a:txBody>
+                  <a:tcPr/>
+                </a:tc>
+                <a:tc>
+                  <a:txBody>
+                    <a:bodyPr/>
+                    <a:lstStyle/>
+                    <a:p>
+                      <a:r>
+                        <a:rPr lang="en-US" dirty="0"/>
+                        <a:t>No. of estimators = 1000</a:t>
+                      </a:r>
+                      <a:endParaRPr lang="en-CA" dirty="0"/>
+                    </a:p>
+                  </a:txBody>
+                  <a:tcPr/>
+                </a:tc>
+                <a:tc>
+                  <a:txBody>
+                    <a:bodyPr/>
+                    <a:lstStyle/>
+                    <a:p>
+                      <a:r>
+                        <a:rPr lang="en-US" dirty="0"/>
+                        <a:t>One-hot</a:t>
+                      </a:r>
+                      <a:endParaRPr lang="en-CA" dirty="0"/>
+                    </a:p>
+                  </a:txBody>
+                  <a:tcPr/>
+                </a:tc>
+                <a:tc>
+                  <a:txBody>
+                    <a:bodyPr/>
+                    <a:lstStyle/>
+                    <a:p>
+                      <a:r>
+                        <a:rPr lang="en-US" dirty="0"/>
+                        <a:t>0.4846</a:t>
+                      </a:r>
+                      <a:endParaRPr lang="en-CA" dirty="0"/>
+                    </a:p>
+                  </a:txBody>
+                  <a:tcPr/>
+                </a:tc>
+                <a:tc>
+                  <a:txBody>
+                    <a:bodyPr/>
+                    <a:lstStyle/>
+                    <a:p>
+                      <a:r>
+                        <a:rPr lang="en-US" dirty="0"/>
+                        <a:t>0.4493</a:t>
+                      </a:r>
+                      <a:endParaRPr lang="en-CA" dirty="0"/>
+                    </a:p>
+                  </a:txBody>
+                  <a:tcPr/>
+                </a:tc>
+                <a:tc>
+                  <a:txBody>
+                    <a:bodyPr/>
+                    <a:lstStyle/>
+                    <a:p>
+                      <a:r>
+                        <a:rPr lang="en-US" dirty="0"/>
+                        <a:t>0.4174</a:t>
+                      </a:r>
+                      <a:endParaRPr lang="en-CA" dirty="0"/>
+                    </a:p>
+                  </a:txBody>
+                  <a:tcPr/>
+                </a:tc>
+                <a:extLst>
+                  <a:ext uri="{0D108BD9-81ED-4DB2-BD59-A6C34878D82A}">
+                    <a16:rowId xmlns:a16="http://schemas.microsoft.com/office/drawing/2014/main" val="822317329"/>
+                  </a:ext>
+                </a:extLst>
+              </a:tr>
+              <a:tr h="277333">
+                <a:tc>
+                  <a:txBody>
+                    <a:bodyPr/>
+                    <a:lstStyle/>
+                    <a:p>
+                      <a:r>
+                        <a:rPr lang="en-US" dirty="0"/>
+                        <a:t>KNN</a:t>
+                      </a:r>
+                      <a:endParaRPr lang="en-CA" dirty="0"/>
+                    </a:p>
+                  </a:txBody>
+                  <a:tcPr/>
+                </a:tc>
+                <a:tc>
+                  <a:txBody>
+                    <a:bodyPr/>
+                    <a:lstStyle/>
+                    <a:p>
+                      <a:r>
+                        <a:rPr lang="en-US" dirty="0" err="1"/>
+                        <a:t>Mikovski</a:t>
+                      </a:r>
+                      <a:r>
+                        <a:rPr lang="en-US" dirty="0"/>
+                        <a:t> distance</a:t>
                       </a:r>
                       <a:endParaRPr lang="en-CA" dirty="0"/>
                     </a:p>
@@ -4549,10 +7163,22 @@
                     <a:lstStyle/>
                     <a:p>
                       <a:r>
-                        <a:rPr lang="en-US" dirty="0"/>
-                        <a:t>0.3932</a:t>
+                        <a:rPr lang="en-CA" dirty="0"/>
+                        <a:t>0.3455</a:t>
                       </a:r>
-                      <a:endParaRPr lang="en-CA" dirty="0"/>
+                    </a:p>
+                  </a:txBody>
+                  <a:tcPr/>
+                </a:tc>
+                <a:tc>
+                  <a:txBody>
+                    <a:bodyPr/>
+                    <a:lstStyle/>
+                    <a:p>
+                      <a:r>
+                        <a:rPr lang="en-CA" dirty="0"/>
+                        <a:t>0.3350</a:t>
+                      </a:r>
                     </a:p>
                   </a:txBody>
                   <a:tcPr/>
@@ -4564,9 +7190,30 @@
                     <a:p>
                       <a:r>
                         <a:rPr lang="en-US" dirty="0"/>
-                        <a:t>0.4037</a:t>
+                        <a:t>0.3186</a:t>
                       </a:r>
                       <a:endParaRPr lang="en-CA" dirty="0"/>
+                    </a:p>
+                  </a:txBody>
+                  <a:tcPr/>
+                </a:tc>
+                <a:extLst>
+                  <a:ext uri="{0D108BD9-81ED-4DB2-BD59-A6C34878D82A}">
+                    <a16:rowId xmlns:a16="http://schemas.microsoft.com/office/drawing/2014/main" val="1584057819"/>
+                  </a:ext>
+                </a:extLst>
+              </a:tr>
+              <a:tr h="370840">
+                <a:tc>
+                  <a:txBody>
+                    <a:bodyPr/>
+                    <a:lstStyle/>
+                    <a:p>
+                      <a:r>
+                        <a:rPr lang="en-US" b="1" dirty="0"/>
+                        <a:t>KNN</a:t>
+                      </a:r>
+                      <a:endParaRPr lang="en-CA" b="1" dirty="0"/>
                     </a:p>
                   </a:txBody>
                   <a:tcPr/>
@@ -4577,31 +7224,10 @@
                     <a:lstStyle/>
                     <a:p>
                       <a:r>
-                        <a:rPr lang="en-US" dirty="0"/>
-                        <a:t>0.3711</a:t>
+                        <a:rPr lang="en-US" b="1" dirty="0"/>
+                        <a:t>BLAST (e-value= 1.0 e-6)</a:t>
                       </a:r>
-                      <a:endParaRPr lang="en-CA" dirty="0"/>
-                    </a:p>
-                  </a:txBody>
-                  <a:tcPr/>
-                </a:tc>
-                <a:extLst>
-                  <a:ext uri="{0D108BD9-81ED-4DB2-BD59-A6C34878D82A}">
-                    <a16:rowId xmlns:a16="http://schemas.microsoft.com/office/drawing/2014/main" val="822317329"/>
-                  </a:ext>
-                </a:extLst>
-              </a:tr>
-              <a:tr h="370840">
-                <a:tc>
-                  <a:txBody>
-                    <a:bodyPr/>
-                    <a:lstStyle/>
-                    <a:p>
-                      <a:r>
-                        <a:rPr lang="en-US" dirty="0"/>
-                        <a:t>KNN using BLAST</a:t>
-                      </a:r>
-                      <a:endParaRPr lang="en-CA" dirty="0"/>
+                      <a:endParaRPr lang="en-CA" b="1" dirty="0"/>
                     </a:p>
                   </a:txBody>
                   <a:tcPr/>
@@ -4612,10 +7238,10 @@
                     <a:lstStyle/>
                     <a:p>
                       <a:r>
-                        <a:rPr lang="en-US" dirty="0"/>
+                        <a:rPr lang="en-US" b="1" dirty="0"/>
                         <a:t>-</a:t>
                       </a:r>
-                      <a:endParaRPr lang="en-CA" dirty="0"/>
+                      <a:endParaRPr lang="en-CA" b="1" dirty="0"/>
                     </a:p>
                   </a:txBody>
                   <a:tcPr/>
@@ -4625,7 +7251,11 @@
                     <a:bodyPr/>
                     <a:lstStyle/>
                     <a:p>
-                      <a:endParaRPr lang="en-CA" dirty="0"/>
+                      <a:r>
+                        <a:rPr lang="en-US" b="1" dirty="0"/>
+                        <a:t>0.9764</a:t>
+                      </a:r>
+                      <a:endParaRPr lang="en-CA" b="1" dirty="0"/>
                     </a:p>
                   </a:txBody>
                   <a:tcPr/>
@@ -4635,7 +7265,11 @@
                     <a:bodyPr/>
                     <a:lstStyle/>
                     <a:p>
-                      <a:endParaRPr lang="en-CA" dirty="0"/>
+                      <a:r>
+                        <a:rPr lang="en-US" b="1" dirty="0"/>
+                        <a:t>0.9761</a:t>
+                      </a:r>
+                      <a:endParaRPr lang="en-CA" b="1" dirty="0"/>
                     </a:p>
                   </a:txBody>
                   <a:tcPr/>
@@ -4645,7 +7279,11 @@
                     <a:bodyPr/>
                     <a:lstStyle/>
                     <a:p>
-                      <a:endParaRPr lang="en-CA" dirty="0"/>
+                      <a:r>
+                        <a:rPr lang="en-US" b="1" dirty="0"/>
+                        <a:t>0.9757</a:t>
+                      </a:r>
+                      <a:endParaRPr lang="en-CA" b="1" dirty="0"/>
                     </a:p>
                   </a:txBody>
                   <a:tcPr/>
@@ -4850,7 +7488,7 @@
           <a:p>
             <a:r>
               <a:rPr lang="en-US" dirty="0"/>
-              <a:t>Discussion</a:t>
+              <a:t>Result: subfamily dataset</a:t>
             </a:r>
             <a:endParaRPr lang="en-CA" dirty="0"/>
           </a:p>
@@ -5072,6 +7710,550 @@
           </a:p>
         </p:txBody>
       </p:sp>
+      <p:graphicFrame>
+        <p:nvGraphicFramePr>
+          <p:cNvPr id="9" name="Table 4">
+            <a:extLst>
+              <a:ext uri="{FF2B5EF4-FFF2-40B4-BE49-F238E27FC236}">
+                <a16:creationId xmlns:a16="http://schemas.microsoft.com/office/drawing/2014/main" id="{96ECEAEA-1CF0-4D03-9888-642BF0282BB7}"/>
+              </a:ext>
+            </a:extLst>
+          </p:cNvPr>
+          <p:cNvGraphicFramePr>
+            <a:graphicFrameLocks/>
+          </p:cNvGraphicFramePr>
+          <p:nvPr>
+            <p:extLst>
+              <p:ext uri="{D42A27DB-BD31-4B8C-83A1-F6EECF244321}">
+                <p14:modId xmlns:p14="http://schemas.microsoft.com/office/powerpoint/2010/main" val="683929504"/>
+              </p:ext>
+            </p:extLst>
+          </p:nvPr>
+        </p:nvGraphicFramePr>
+        <p:xfrm>
+          <a:off x="1857703" y="2731624"/>
+          <a:ext cx="9055278" cy="3200400"/>
+        </p:xfrm>
+        <a:graphic>
+          <a:graphicData uri="http://schemas.openxmlformats.org/drawingml/2006/table">
+            <a:tbl>
+              <a:tblPr firstRow="1" bandRow="1">
+                <a:tableStyleId>{5C22544A-7EE6-4342-B048-85BDC9FD1C3A}</a:tableStyleId>
+              </a:tblPr>
+              <a:tblGrid>
+                <a:gridCol w="1588230">
+                  <a:extLst>
+                    <a:ext uri="{9D8B030D-6E8A-4147-A177-3AD203B41FA5}">
+                      <a16:colId xmlns:a16="http://schemas.microsoft.com/office/drawing/2014/main" val="2597072314"/>
+                    </a:ext>
+                  </a:extLst>
+                </a:gridCol>
+                <a:gridCol w="2230236">
+                  <a:extLst>
+                    <a:ext uri="{9D8B030D-6E8A-4147-A177-3AD203B41FA5}">
+                      <a16:colId xmlns:a16="http://schemas.microsoft.com/office/drawing/2014/main" val="2664260091"/>
+                    </a:ext>
+                  </a:extLst>
+                </a:gridCol>
+                <a:gridCol w="1265946">
+                  <a:extLst>
+                    <a:ext uri="{9D8B030D-6E8A-4147-A177-3AD203B41FA5}">
+                      <a16:colId xmlns:a16="http://schemas.microsoft.com/office/drawing/2014/main" val="1139189522"/>
+                    </a:ext>
+                  </a:extLst>
+                </a:gridCol>
+                <a:gridCol w="1049430">
+                  <a:extLst>
+                    <a:ext uri="{9D8B030D-6E8A-4147-A177-3AD203B41FA5}">
+                      <a16:colId xmlns:a16="http://schemas.microsoft.com/office/drawing/2014/main" val="2749855959"/>
+                    </a:ext>
+                  </a:extLst>
+                </a:gridCol>
+                <a:gridCol w="1460718">
+                  <a:extLst>
+                    <a:ext uri="{9D8B030D-6E8A-4147-A177-3AD203B41FA5}">
+                      <a16:colId xmlns:a16="http://schemas.microsoft.com/office/drawing/2014/main" val="217646935"/>
+                    </a:ext>
+                  </a:extLst>
+                </a:gridCol>
+                <a:gridCol w="1460718">
+                  <a:extLst>
+                    <a:ext uri="{9D8B030D-6E8A-4147-A177-3AD203B41FA5}">
+                      <a16:colId xmlns:a16="http://schemas.microsoft.com/office/drawing/2014/main" val="1332582260"/>
+                    </a:ext>
+                  </a:extLst>
+                </a:gridCol>
+              </a:tblGrid>
+              <a:tr h="370840">
+                <a:tc>
+                  <a:txBody>
+                    <a:bodyPr/>
+                    <a:lstStyle/>
+                    <a:p>
+                      <a:r>
+                        <a:rPr lang="en-US" dirty="0"/>
+                        <a:t>Classifier</a:t>
+                      </a:r>
+                      <a:endParaRPr lang="en-CA" dirty="0"/>
+                    </a:p>
+                  </a:txBody>
+                  <a:tcPr/>
+                </a:tc>
+                <a:tc>
+                  <a:txBody>
+                    <a:bodyPr/>
+                    <a:lstStyle/>
+                    <a:p>
+                      <a:r>
+                        <a:rPr lang="en-US" dirty="0"/>
+                        <a:t>Specification</a:t>
+                      </a:r>
+                      <a:endParaRPr lang="en-CA" dirty="0"/>
+                    </a:p>
+                  </a:txBody>
+                  <a:tcPr/>
+                </a:tc>
+                <a:tc>
+                  <a:txBody>
+                    <a:bodyPr/>
+                    <a:lstStyle/>
+                    <a:p>
+                      <a:r>
+                        <a:rPr lang="en-US" dirty="0"/>
+                        <a:t>Best Feature vector</a:t>
+                      </a:r>
+                      <a:endParaRPr lang="en-CA" dirty="0"/>
+                    </a:p>
+                  </a:txBody>
+                  <a:tcPr/>
+                </a:tc>
+                <a:tc>
+                  <a:txBody>
+                    <a:bodyPr/>
+                    <a:lstStyle/>
+                    <a:p>
+                      <a:r>
+                        <a:rPr lang="en-US" dirty="0"/>
+                        <a:t>Precision</a:t>
+                      </a:r>
+                      <a:endParaRPr lang="en-CA" dirty="0"/>
+                    </a:p>
+                  </a:txBody>
+                  <a:tcPr/>
+                </a:tc>
+                <a:tc>
+                  <a:txBody>
+                    <a:bodyPr/>
+                    <a:lstStyle/>
+                    <a:p>
+                      <a:r>
+                        <a:rPr lang="en-US" dirty="0"/>
+                        <a:t>Recall</a:t>
+                      </a:r>
+                      <a:endParaRPr lang="en-CA" dirty="0"/>
+                    </a:p>
+                  </a:txBody>
+                  <a:tcPr/>
+                </a:tc>
+                <a:tc>
+                  <a:txBody>
+                    <a:bodyPr/>
+                    <a:lstStyle/>
+                    <a:p>
+                      <a:r>
+                        <a:rPr lang="en-US" dirty="0"/>
+                        <a:t>F1-score</a:t>
+                      </a:r>
+                      <a:endParaRPr lang="en-CA" dirty="0"/>
+                    </a:p>
+                  </a:txBody>
+                  <a:tcPr/>
+                </a:tc>
+                <a:extLst>
+                  <a:ext uri="{0D108BD9-81ED-4DB2-BD59-A6C34878D82A}">
+                    <a16:rowId xmlns:a16="http://schemas.microsoft.com/office/drawing/2014/main" val="645573638"/>
+                  </a:ext>
+                </a:extLst>
+              </a:tr>
+              <a:tr h="489863">
+                <a:tc>
+                  <a:txBody>
+                    <a:bodyPr/>
+                    <a:lstStyle/>
+                    <a:p>
+                      <a:r>
+                        <a:rPr lang="en-US" dirty="0"/>
+                        <a:t>SVM</a:t>
+                      </a:r>
+                      <a:endParaRPr lang="en-CA" dirty="0"/>
+                    </a:p>
+                  </a:txBody>
+                  <a:tcPr/>
+                </a:tc>
+                <a:tc>
+                  <a:txBody>
+                    <a:bodyPr/>
+                    <a:lstStyle/>
+                    <a:p>
+                      <a:r>
+                        <a:rPr lang="en-US" dirty="0"/>
+                        <a:t>RBF kernel</a:t>
+                      </a:r>
+                      <a:br>
+                        <a:rPr lang="en-US" dirty="0"/>
+                      </a:br>
+                      <a:r>
+                        <a:rPr lang="en-US" dirty="0"/>
+                        <a:t>gamma = 0.1 &amp; c=10</a:t>
+                      </a:r>
+                      <a:endParaRPr lang="en-CA" dirty="0"/>
+                    </a:p>
+                  </a:txBody>
+                  <a:tcPr/>
+                </a:tc>
+                <a:tc>
+                  <a:txBody>
+                    <a:bodyPr/>
+                    <a:lstStyle/>
+                    <a:p>
+                      <a:r>
+                        <a:rPr lang="en-US" dirty="0"/>
+                        <a:t>AAC</a:t>
+                      </a:r>
+                      <a:endParaRPr lang="en-CA" dirty="0"/>
+                    </a:p>
+                  </a:txBody>
+                  <a:tcPr/>
+                </a:tc>
+                <a:tc>
+                  <a:txBody>
+                    <a:bodyPr/>
+                    <a:lstStyle/>
+                    <a:p>
+                      <a:r>
+                        <a:rPr lang="en-US" dirty="0"/>
+                        <a:t>0.4663</a:t>
+                      </a:r>
+                      <a:endParaRPr lang="en-CA" dirty="0"/>
+                    </a:p>
+                  </a:txBody>
+                  <a:tcPr/>
+                </a:tc>
+                <a:tc>
+                  <a:txBody>
+                    <a:bodyPr/>
+                    <a:lstStyle/>
+                    <a:p>
+                      <a:r>
+                        <a:rPr lang="en-US" dirty="0"/>
+                        <a:t>0.6848</a:t>
+                      </a:r>
+                      <a:endParaRPr lang="en-CA" dirty="0"/>
+                    </a:p>
+                  </a:txBody>
+                  <a:tcPr/>
+                </a:tc>
+                <a:tc>
+                  <a:txBody>
+                    <a:bodyPr/>
+                    <a:lstStyle/>
+                    <a:p>
+                      <a:r>
+                        <a:rPr lang="en-US" dirty="0"/>
+                        <a:t>0.5201</a:t>
+                      </a:r>
+                      <a:endParaRPr lang="en-CA" dirty="0"/>
+                    </a:p>
+                  </a:txBody>
+                  <a:tcPr/>
+                </a:tc>
+                <a:extLst>
+                  <a:ext uri="{0D108BD9-81ED-4DB2-BD59-A6C34878D82A}">
+                    <a16:rowId xmlns:a16="http://schemas.microsoft.com/office/drawing/2014/main" val="3973996503"/>
+                  </a:ext>
+                </a:extLst>
+              </a:tr>
+              <a:tr h="556435">
+                <a:tc>
+                  <a:txBody>
+                    <a:bodyPr/>
+                    <a:lstStyle/>
+                    <a:p>
+                      <a:r>
+                        <a:rPr lang="en-US" dirty="0"/>
+                        <a:t>Random Forrest</a:t>
+                      </a:r>
+                      <a:endParaRPr lang="en-CA" dirty="0"/>
+                    </a:p>
+                  </a:txBody>
+                  <a:tcPr/>
+                </a:tc>
+                <a:tc>
+                  <a:txBody>
+                    <a:bodyPr/>
+                    <a:lstStyle/>
+                    <a:p>
+                      <a:r>
+                        <a:rPr lang="en-US" dirty="0"/>
+                        <a:t>No. of estimators = 1000</a:t>
+                      </a:r>
+                      <a:endParaRPr lang="en-CA" dirty="0"/>
+                    </a:p>
+                  </a:txBody>
+                  <a:tcPr/>
+                </a:tc>
+                <a:tc>
+                  <a:txBody>
+                    <a:bodyPr/>
+                    <a:lstStyle/>
+                    <a:p>
+                      <a:r>
+                        <a:rPr lang="en-US" dirty="0"/>
+                        <a:t>AAC</a:t>
+                      </a:r>
+                      <a:endParaRPr lang="en-CA" dirty="0"/>
+                    </a:p>
+                  </a:txBody>
+                  <a:tcPr/>
+                </a:tc>
+                <a:tc>
+                  <a:txBody>
+                    <a:bodyPr/>
+                    <a:lstStyle/>
+                    <a:p>
+                      <a:r>
+                        <a:rPr lang="en-US" dirty="0"/>
+                        <a:t>0.3841</a:t>
+                      </a:r>
+                      <a:endParaRPr lang="en-CA" dirty="0"/>
+                    </a:p>
+                  </a:txBody>
+                  <a:tcPr/>
+                </a:tc>
+                <a:tc>
+                  <a:txBody>
+                    <a:bodyPr/>
+                    <a:lstStyle/>
+                    <a:p>
+                      <a:r>
+                        <a:rPr lang="en-US" dirty="0"/>
+                        <a:t>0.3435</a:t>
+                      </a:r>
+                      <a:endParaRPr lang="en-CA" dirty="0"/>
+                    </a:p>
+                  </a:txBody>
+                  <a:tcPr/>
+                </a:tc>
+                <a:tc>
+                  <a:txBody>
+                    <a:bodyPr/>
+                    <a:lstStyle/>
+                    <a:p>
+                      <a:r>
+                        <a:rPr lang="en-US" dirty="0"/>
+                        <a:t>0.5535</a:t>
+                      </a:r>
+                      <a:endParaRPr lang="en-CA" dirty="0"/>
+                    </a:p>
+                  </a:txBody>
+                  <a:tcPr/>
+                </a:tc>
+                <a:extLst>
+                  <a:ext uri="{0D108BD9-81ED-4DB2-BD59-A6C34878D82A}">
+                    <a16:rowId xmlns:a16="http://schemas.microsoft.com/office/drawing/2014/main" val="822317329"/>
+                  </a:ext>
+                </a:extLst>
+              </a:tr>
+              <a:tr h="277333">
+                <a:tc>
+                  <a:txBody>
+                    <a:bodyPr/>
+                    <a:lstStyle/>
+                    <a:p>
+                      <a:r>
+                        <a:rPr lang="en-US" dirty="0"/>
+                        <a:t>KNN</a:t>
+                      </a:r>
+                      <a:endParaRPr lang="en-CA" dirty="0"/>
+                    </a:p>
+                  </a:txBody>
+                  <a:tcPr/>
+                </a:tc>
+                <a:tc>
+                  <a:txBody>
+                    <a:bodyPr/>
+                    <a:lstStyle/>
+                    <a:p>
+                      <a:r>
+                        <a:rPr lang="en-US" dirty="0" err="1"/>
+                        <a:t>Mikovski</a:t>
+                      </a:r>
+                      <a:r>
+                        <a:rPr lang="en-US" dirty="0"/>
+                        <a:t> distance</a:t>
+                      </a:r>
+                      <a:endParaRPr lang="en-CA" dirty="0"/>
+                    </a:p>
+                  </a:txBody>
+                  <a:tcPr/>
+                </a:tc>
+                <a:tc>
+                  <a:txBody>
+                    <a:bodyPr/>
+                    <a:lstStyle/>
+                    <a:p>
+                      <a:r>
+                        <a:rPr lang="en-US" dirty="0"/>
+                        <a:t>AAC</a:t>
+                      </a:r>
+                      <a:endParaRPr lang="en-CA" dirty="0"/>
+                    </a:p>
+                  </a:txBody>
+                  <a:tcPr/>
+                </a:tc>
+                <a:tc>
+                  <a:txBody>
+                    <a:bodyPr/>
+                    <a:lstStyle/>
+                    <a:p>
+                      <a:r>
+                        <a:rPr lang="en-US" dirty="0"/>
+                        <a:t>0.4881</a:t>
+                      </a:r>
+                      <a:endParaRPr lang="en-CA" dirty="0"/>
+                    </a:p>
+                  </a:txBody>
+                  <a:tcPr/>
+                </a:tc>
+                <a:tc>
+                  <a:txBody>
+                    <a:bodyPr/>
+                    <a:lstStyle/>
+                    <a:p>
+                      <a:r>
+                        <a:rPr lang="en-US" dirty="0"/>
+                        <a:t>0.5044</a:t>
+                      </a:r>
+                      <a:endParaRPr lang="en-CA" dirty="0"/>
+                    </a:p>
+                  </a:txBody>
+                  <a:tcPr/>
+                </a:tc>
+                <a:tc>
+                  <a:txBody>
+                    <a:bodyPr/>
+                    <a:lstStyle/>
+                    <a:p>
+                      <a:r>
+                        <a:rPr lang="en-US" dirty="0"/>
+                        <a:t>0.5332</a:t>
+                      </a:r>
+                      <a:endParaRPr lang="en-CA" dirty="0"/>
+                    </a:p>
+                  </a:txBody>
+                  <a:tcPr/>
+                </a:tc>
+                <a:extLst>
+                  <a:ext uri="{0D108BD9-81ED-4DB2-BD59-A6C34878D82A}">
+                    <a16:rowId xmlns:a16="http://schemas.microsoft.com/office/drawing/2014/main" val="1584057819"/>
+                  </a:ext>
+                </a:extLst>
+              </a:tr>
+              <a:tr h="370840">
+                <a:tc>
+                  <a:txBody>
+                    <a:bodyPr/>
+                    <a:lstStyle/>
+                    <a:p>
+                      <a:r>
+                        <a:rPr lang="en-US" b="1" dirty="0"/>
+                        <a:t>KNN</a:t>
+                      </a:r>
+                      <a:endParaRPr lang="en-CA" b="1" dirty="0"/>
+                    </a:p>
+                  </a:txBody>
+                  <a:tcPr/>
+                </a:tc>
+                <a:tc>
+                  <a:txBody>
+                    <a:bodyPr/>
+                    <a:lstStyle/>
+                    <a:p>
+                      <a:r>
+                        <a:rPr lang="en-US" b="1" dirty="0"/>
+                        <a:t>BLAST (e-value= 1.0 e-7)</a:t>
+                      </a:r>
+                      <a:endParaRPr lang="en-CA" b="1" dirty="0"/>
+                    </a:p>
+                  </a:txBody>
+                  <a:tcPr/>
+                </a:tc>
+                <a:tc>
+                  <a:txBody>
+                    <a:bodyPr/>
+                    <a:lstStyle/>
+                    <a:p>
+                      <a:r>
+                        <a:rPr lang="en-US" b="1" dirty="0"/>
+                        <a:t>-</a:t>
+                      </a:r>
+                      <a:endParaRPr lang="en-CA" b="1" dirty="0"/>
+                    </a:p>
+                  </a:txBody>
+                  <a:tcPr/>
+                </a:tc>
+                <a:tc>
+                  <a:txBody>
+                    <a:bodyPr/>
+                    <a:lstStyle/>
+                    <a:p>
+                      <a:r>
+                        <a:rPr lang="en-US" b="1" dirty="0"/>
+                        <a:t>0.9789</a:t>
+                      </a:r>
+                      <a:endParaRPr lang="en-CA" b="1" dirty="0"/>
+                    </a:p>
+                  </a:txBody>
+                  <a:tcPr/>
+                </a:tc>
+                <a:tc>
+                  <a:txBody>
+                    <a:bodyPr/>
+                    <a:lstStyle/>
+                    <a:p>
+                      <a:r>
+                        <a:rPr lang="en-US" b="1" dirty="0"/>
+                        <a:t>0.9779</a:t>
+                      </a:r>
+                      <a:endParaRPr lang="en-CA" b="1" dirty="0"/>
+                    </a:p>
+                  </a:txBody>
+                  <a:tcPr/>
+                </a:tc>
+                <a:tc>
+                  <a:txBody>
+                    <a:bodyPr/>
+                    <a:lstStyle/>
+                    <a:p>
+                      <a:r>
+                        <a:rPr lang="en-US" b="1" dirty="0"/>
+                        <a:t>0.9781</a:t>
+                      </a:r>
+                      <a:endParaRPr lang="en-CA" b="1" dirty="0"/>
+                    </a:p>
+                  </a:txBody>
+                  <a:tcPr/>
+                </a:tc>
+                <a:extLst>
+                  <a:ext uri="{0D108BD9-81ED-4DB2-BD59-A6C34878D82A}">
+                    <a16:rowId xmlns:a16="http://schemas.microsoft.com/office/drawing/2014/main" val="3304954968"/>
+                  </a:ext>
+                </a:extLst>
+              </a:tr>
+            </a:tbl>
+          </a:graphicData>
+        </a:graphic>
+      </p:graphicFrame>
     </p:spTree>
     <p:extLst>
       <p:ext uri="{BB962C8B-B14F-4D97-AF65-F5344CB8AC3E}">
@@ -5262,7 +8444,7 @@
           <a:p>
             <a:r>
               <a:rPr lang="en-US" dirty="0"/>
-              <a:t>Conclusion</a:t>
+              <a:t>Tuning Hyperparameters : e-value</a:t>
             </a:r>
             <a:endParaRPr lang="en-CA" dirty="0"/>
           </a:p>
@@ -5476,7 +8658,7 @@
           </a:bodyPr>
           <a:lstStyle/>
           <a:p>
-            <a:endParaRPr lang="en-CA">
+            <a:endParaRPr lang="en-CA" dirty="0">
               <a:solidFill>
                 <a:schemeClr val="tx1"/>
               </a:solidFill>
@@ -5484,6 +8666,166 @@
           </a:p>
         </p:txBody>
       </p:sp>
+      <p:pic>
+        <p:nvPicPr>
+          <p:cNvPr id="5" name="Picture 4">
+            <a:extLst>
+              <a:ext uri="{FF2B5EF4-FFF2-40B4-BE49-F238E27FC236}">
+                <a16:creationId xmlns:a16="http://schemas.microsoft.com/office/drawing/2014/main" id="{CA0681CE-26CD-4BEE-94D8-8FFFF0A811C6}"/>
+              </a:ext>
+            </a:extLst>
+          </p:cNvPr>
+          <p:cNvPicPr>
+            <a:picLocks noChangeAspect="1"/>
+          </p:cNvPicPr>
+          <p:nvPr/>
+        </p:nvPicPr>
+        <p:blipFill>
+          <a:blip r:embed="rId2"/>
+          <a:stretch>
+            <a:fillRect/>
+          </a:stretch>
+        </p:blipFill>
+        <p:spPr>
+          <a:xfrm>
+            <a:off x="1607758" y="2754807"/>
+            <a:ext cx="4142419" cy="3106814"/>
+          </a:xfrm>
+          <a:prstGeom prst="rect">
+            <a:avLst/>
+          </a:prstGeom>
+        </p:spPr>
+      </p:pic>
+      <p:sp>
+        <p:nvSpPr>
+          <p:cNvPr id="6" name="Rectangle 5">
+            <a:extLst>
+              <a:ext uri="{FF2B5EF4-FFF2-40B4-BE49-F238E27FC236}">
+                <a16:creationId xmlns:a16="http://schemas.microsoft.com/office/drawing/2014/main" id="{A1F98DA8-AE02-4160-BBC9-8B8DEBA174AA}"/>
+              </a:ext>
+            </a:extLst>
+          </p:cNvPr>
+          <p:cNvSpPr/>
+          <p:nvPr/>
+        </p:nvSpPr>
+        <p:spPr>
+          <a:xfrm>
+            <a:off x="3039733" y="5924644"/>
+            <a:ext cx="1278467" cy="279400"/>
+          </a:xfrm>
+          <a:prstGeom prst="rect">
+            <a:avLst/>
+          </a:prstGeom>
+        </p:spPr>
+        <p:style>
+          <a:lnRef idx="2">
+            <a:schemeClr val="accent1">
+              <a:shade val="50000"/>
+            </a:schemeClr>
+          </a:lnRef>
+          <a:fillRef idx="1">
+            <a:schemeClr val="accent1"/>
+          </a:fillRef>
+          <a:effectRef idx="0">
+            <a:schemeClr val="accent1"/>
+          </a:effectRef>
+          <a:fontRef idx="minor">
+            <a:schemeClr val="lt1"/>
+          </a:fontRef>
+        </p:style>
+        <p:txBody>
+          <a:bodyPr rtlCol="0" anchor="ctr"/>
+          <a:lstStyle/>
+          <a:p>
+            <a:pPr algn="ctr"/>
+            <a:r>
+              <a:rPr lang="en-US" dirty="0"/>
+              <a:t>Subfamily</a:t>
+            </a:r>
+            <a:endParaRPr lang="en-CA" dirty="0"/>
+          </a:p>
+        </p:txBody>
+      </p:sp>
+      <p:sp>
+        <p:nvSpPr>
+          <p:cNvPr id="13" name="Rectangle 12">
+            <a:extLst>
+              <a:ext uri="{FF2B5EF4-FFF2-40B4-BE49-F238E27FC236}">
+                <a16:creationId xmlns:a16="http://schemas.microsoft.com/office/drawing/2014/main" id="{8D8A99A0-992D-470B-B9D0-4DF8142A7D32}"/>
+              </a:ext>
+            </a:extLst>
+          </p:cNvPr>
+          <p:cNvSpPr/>
+          <p:nvPr/>
+        </p:nvSpPr>
+        <p:spPr>
+          <a:xfrm>
+            <a:off x="8018133" y="5913837"/>
+            <a:ext cx="1278467" cy="279400"/>
+          </a:xfrm>
+          <a:prstGeom prst="rect">
+            <a:avLst/>
+          </a:prstGeom>
+        </p:spPr>
+        <p:style>
+          <a:lnRef idx="2">
+            <a:schemeClr val="accent1">
+              <a:shade val="50000"/>
+            </a:schemeClr>
+          </a:lnRef>
+          <a:fillRef idx="1">
+            <a:schemeClr val="accent1"/>
+          </a:fillRef>
+          <a:effectRef idx="0">
+            <a:schemeClr val="accent1"/>
+          </a:effectRef>
+          <a:fontRef idx="minor">
+            <a:schemeClr val="lt1"/>
+          </a:fontRef>
+        </p:style>
+        <p:txBody>
+          <a:bodyPr rtlCol="0" anchor="ctr"/>
+          <a:lstStyle/>
+          <a:p>
+            <a:pPr algn="ctr"/>
+            <a:r>
+              <a:rPr lang="en-US" dirty="0"/>
+              <a:t>Family</a:t>
+            </a:r>
+            <a:endParaRPr lang="en-CA" dirty="0"/>
+          </a:p>
+        </p:txBody>
+      </p:sp>
+      <p:pic>
+        <p:nvPicPr>
+          <p:cNvPr id="9" name="Picture 8">
+            <a:extLst>
+              <a:ext uri="{FF2B5EF4-FFF2-40B4-BE49-F238E27FC236}">
+                <a16:creationId xmlns:a16="http://schemas.microsoft.com/office/drawing/2014/main" id="{C6AF7686-FB25-4808-B6CA-41B3167EE440}"/>
+              </a:ext>
+            </a:extLst>
+          </p:cNvPr>
+          <p:cNvPicPr>
+            <a:picLocks noChangeAspect="1"/>
+          </p:cNvPicPr>
+          <p:nvPr/>
+        </p:nvPicPr>
+        <p:blipFill>
+          <a:blip r:embed="rId3"/>
+          <a:stretch>
+            <a:fillRect/>
+          </a:stretch>
+        </p:blipFill>
+        <p:spPr>
+          <a:xfrm>
+            <a:off x="6308120" y="2754806"/>
+            <a:ext cx="4142419" cy="3106815"/>
+          </a:xfrm>
+          <a:prstGeom prst="rect">
+            <a:avLst/>
+          </a:prstGeom>
+        </p:spPr>
+      </p:pic>
     </p:spTree>
     <p:extLst>
       <p:ext uri="{BB962C8B-B14F-4D97-AF65-F5344CB8AC3E}">
@@ -5498,6 +8840,1441 @@
 </file>
 
 <file path=ppt/slides/slide14.xml><?xml version="1.0" encoding="utf-8"?>
+<p:sld xmlns:a="http://schemas.openxmlformats.org/drawingml/2006/main" xmlns:r="http://schemas.openxmlformats.org/officeDocument/2006/relationships" xmlns:p="http://schemas.openxmlformats.org/presentationml/2006/main">
+  <p:cSld>
+    <p:bg>
+      <p:bgPr>
+        <a:solidFill>
+          <a:schemeClr val="bg1"/>
+        </a:solidFill>
+        <a:effectLst/>
+      </p:bgPr>
+    </p:bg>
+    <p:spTree>
+      <p:nvGrpSpPr>
+        <p:cNvPr id="1" name=""/>
+        <p:cNvGrpSpPr/>
+        <p:nvPr/>
+      </p:nvGrpSpPr>
+      <p:grpSpPr>
+        <a:xfrm>
+          <a:off x="0" y="0"/>
+          <a:ext cx="0" cy="0"/>
+          <a:chOff x="0" y="0"/>
+          <a:chExt cx="0" cy="0"/>
+        </a:xfrm>
+      </p:grpSpPr>
+      <p:sp useBgFill="1">
+        <p:nvSpPr>
+          <p:cNvPr id="8" name="Rectangle 7">
+            <a:extLst>
+              <a:ext uri="{FF2B5EF4-FFF2-40B4-BE49-F238E27FC236}">
+                <a16:creationId xmlns:a16="http://schemas.microsoft.com/office/drawing/2014/main" id="{29DC5A77-10C9-4ECF-B7EB-8D917F36A9EE}"/>
+              </a:ext>
+              <a:ext uri="{C183D7F6-B498-43B3-948B-1728B52AA6E4}">
+                <adec:decorative xmlns:adec="http://schemas.microsoft.com/office/drawing/2017/decorative" val="1"/>
+              </a:ext>
+            </a:extLst>
+          </p:cNvPr>
+          <p:cNvSpPr>
+            <a:spLocks noGrp="1" noRot="1" noChangeAspect="1" noMove="1" noResize="1" noEditPoints="1" noAdjustHandles="1" noChangeArrowheads="1" noChangeShapeType="1" noTextEdit="1"/>
+          </p:cNvSpPr>
+          <p:nvPr>
+            <p:extLst>
+              <p:ext uri="{386F3935-93C4-4BCD-93E2-E3B085C9AB24}">
+                <p16:designElem xmlns:p16="http://schemas.microsoft.com/office/powerpoint/2015/main" val="1"/>
+              </p:ext>
+            </p:extLst>
+          </p:nvPr>
+        </p:nvSpPr>
+        <p:spPr>
+          <a:xfrm>
+            <a:off x="0" y="0"/>
+            <a:ext cx="12192000" cy="6858000"/>
+          </a:xfrm>
+          <a:prstGeom prst="rect">
+            <a:avLst/>
+          </a:prstGeom>
+          <a:ln>
+            <a:noFill/>
+          </a:ln>
+        </p:spPr>
+        <p:style>
+          <a:lnRef idx="2">
+            <a:schemeClr val="accent1">
+              <a:shade val="50000"/>
+            </a:schemeClr>
+          </a:lnRef>
+          <a:fillRef idx="1">
+            <a:schemeClr val="accent1"/>
+          </a:fillRef>
+          <a:effectRef idx="0">
+            <a:schemeClr val="accent1"/>
+          </a:effectRef>
+          <a:fontRef idx="minor">
+            <a:schemeClr val="lt1"/>
+          </a:fontRef>
+        </p:style>
+        <p:txBody>
+          <a:bodyPr rtlCol="0" anchor="ctr"/>
+          <a:lstStyle/>
+          <a:p>
+            <a:pPr algn="ctr"/>
+            <a:endParaRPr lang="en-US"/>
+          </a:p>
+        </p:txBody>
+      </p:sp>
+      <p:sp>
+        <p:nvSpPr>
+          <p:cNvPr id="10" name="Rectangle 9">
+            <a:extLst>
+              <a:ext uri="{FF2B5EF4-FFF2-40B4-BE49-F238E27FC236}">
+                <a16:creationId xmlns:a16="http://schemas.microsoft.com/office/drawing/2014/main" id="{2FFE28B5-FB16-49A9-B851-3C35FAC0CACB}"/>
+              </a:ext>
+              <a:ext uri="{C183D7F6-B498-43B3-948B-1728B52AA6E4}">
+                <adec:decorative xmlns:adec="http://schemas.microsoft.com/office/drawing/2017/decorative" val="1"/>
+              </a:ext>
+            </a:extLst>
+          </p:cNvPr>
+          <p:cNvSpPr>
+            <a:spLocks noGrp="1" noRot="1" noChangeAspect="1" noMove="1" noResize="1" noEditPoints="1" noAdjustHandles="1" noChangeArrowheads="1" noChangeShapeType="1" noTextEdit="1"/>
+          </p:cNvSpPr>
+          <p:nvPr>
+            <p:extLst>
+              <p:ext uri="{386F3935-93C4-4BCD-93E2-E3B085C9AB24}">
+                <p16:designElem xmlns:p16="http://schemas.microsoft.com/office/powerpoint/2015/main" val="1"/>
+              </p:ext>
+            </p:extLst>
+          </p:nvPr>
+        </p:nvSpPr>
+        <p:spPr>
+          <a:xfrm>
+            <a:off x="1" y="758952"/>
+            <a:ext cx="10905976" cy="1651133"/>
+          </a:xfrm>
+          <a:prstGeom prst="rect">
+            <a:avLst/>
+          </a:prstGeom>
+          <a:solidFill>
+            <a:schemeClr val="accent1"/>
+          </a:solidFill>
+          <a:ln>
+            <a:noFill/>
+          </a:ln>
+        </p:spPr>
+        <p:style>
+          <a:lnRef idx="2">
+            <a:schemeClr val="accent1">
+              <a:shade val="50000"/>
+            </a:schemeClr>
+          </a:lnRef>
+          <a:fillRef idx="1">
+            <a:schemeClr val="accent1"/>
+          </a:fillRef>
+          <a:effectRef idx="0">
+            <a:schemeClr val="accent1"/>
+          </a:effectRef>
+          <a:fontRef idx="minor">
+            <a:schemeClr val="lt1"/>
+          </a:fontRef>
+        </p:style>
+        <p:txBody>
+          <a:bodyPr/>
+          <a:lstStyle/>
+          <a:p>
+            <a:endParaRPr lang="en-US" dirty="0"/>
+          </a:p>
+        </p:txBody>
+      </p:sp>
+      <p:sp>
+        <p:nvSpPr>
+          <p:cNvPr id="2" name="Title 1">
+            <a:extLst>
+              <a:ext uri="{FF2B5EF4-FFF2-40B4-BE49-F238E27FC236}">
+                <a16:creationId xmlns:a16="http://schemas.microsoft.com/office/drawing/2014/main" id="{C9E990F2-392A-488E-961A-2AD74ECFA382}"/>
+              </a:ext>
+            </a:extLst>
+          </p:cNvPr>
+          <p:cNvSpPr>
+            <a:spLocks noGrp="1"/>
+          </p:cNvSpPr>
+          <p:nvPr>
+            <p:ph type="title"/>
+          </p:nvPr>
+        </p:nvSpPr>
+        <p:spPr>
+          <a:xfrm>
+            <a:off x="1600754" y="1087374"/>
+            <a:ext cx="8983489" cy="1000978"/>
+          </a:xfrm>
+        </p:spPr>
+        <p:txBody>
+          <a:bodyPr>
+            <a:normAutofit/>
+          </a:bodyPr>
+          <a:lstStyle/>
+          <a:p>
+            <a:r>
+              <a:rPr lang="en-US"/>
+              <a:t>Tuning Hyperparameters: K</a:t>
+            </a:r>
+            <a:endParaRPr lang="en-CA" dirty="0"/>
+          </a:p>
+        </p:txBody>
+      </p:sp>
+      <p:sp>
+        <p:nvSpPr>
+          <p:cNvPr id="12" name="Rectangle 11">
+            <a:extLst>
+              <a:ext uri="{FF2B5EF4-FFF2-40B4-BE49-F238E27FC236}">
+                <a16:creationId xmlns:a16="http://schemas.microsoft.com/office/drawing/2014/main" id="{01014442-855A-4E0F-8D09-C314661A48B9}"/>
+              </a:ext>
+              <a:ext uri="{C183D7F6-B498-43B3-948B-1728B52AA6E4}">
+                <adec:decorative xmlns:adec="http://schemas.microsoft.com/office/drawing/2017/decorative" val="1"/>
+              </a:ext>
+            </a:extLst>
+          </p:cNvPr>
+          <p:cNvSpPr>
+            <a:spLocks noGrp="1" noRot="1" noChangeAspect="1" noMove="1" noResize="1" noEditPoints="1" noAdjustHandles="1" noChangeArrowheads="1" noChangeShapeType="1" noTextEdit="1"/>
+          </p:cNvSpPr>
+          <p:nvPr>
+            <p:extLst>
+              <p:ext uri="{386F3935-93C4-4BCD-93E2-E3B085C9AB24}">
+                <p16:designElem xmlns:p16="http://schemas.microsoft.com/office/powerpoint/2015/main" val="1"/>
+              </p:ext>
+            </p:extLst>
+          </p:nvPr>
+        </p:nvSpPr>
+        <p:spPr>
+          <a:xfrm>
+            <a:off x="11014533" y="758952"/>
+            <a:ext cx="1185379" cy="1651133"/>
+          </a:xfrm>
+          <a:prstGeom prst="rect">
+            <a:avLst/>
+          </a:prstGeom>
+          <a:solidFill>
+            <a:srgbClr val="C8C8C8">
+              <a:alpha val="49804"/>
+            </a:srgbClr>
+          </a:solidFill>
+          <a:ln>
+            <a:noFill/>
+          </a:ln>
+        </p:spPr>
+        <p:style>
+          <a:lnRef idx="2">
+            <a:schemeClr val="accent1">
+              <a:shade val="50000"/>
+            </a:schemeClr>
+          </a:lnRef>
+          <a:fillRef idx="1">
+            <a:schemeClr val="accent1"/>
+          </a:fillRef>
+          <a:effectRef idx="0">
+            <a:schemeClr val="accent1"/>
+          </a:effectRef>
+          <a:fontRef idx="minor">
+            <a:schemeClr val="lt1"/>
+          </a:fontRef>
+        </p:style>
+      </p:sp>
+      <p:sp>
+        <p:nvSpPr>
+          <p:cNvPr id="14" name="Rectangle 13">
+            <a:extLst>
+              <a:ext uri="{FF2B5EF4-FFF2-40B4-BE49-F238E27FC236}">
+                <a16:creationId xmlns:a16="http://schemas.microsoft.com/office/drawing/2014/main" id="{9B1ABF09-86CF-414E-88A5-2B84CC7232A9}"/>
+              </a:ext>
+              <a:ext uri="{C183D7F6-B498-43B3-948B-1728B52AA6E4}">
+                <adec:decorative xmlns:adec="http://schemas.microsoft.com/office/drawing/2017/decorative" val="1"/>
+              </a:ext>
+            </a:extLst>
+          </p:cNvPr>
+          <p:cNvSpPr>
+            <a:spLocks noGrp="1" noRot="1" noChangeAspect="1" noMove="1" noResize="1" noEditPoints="1" noAdjustHandles="1" noChangeArrowheads="1" noChangeShapeType="1" noTextEdit="1"/>
+          </p:cNvSpPr>
+          <p:nvPr>
+            <p:extLst>
+              <p:ext uri="{386F3935-93C4-4BCD-93E2-E3B085C9AB24}">
+                <p16:designElem xmlns:p16="http://schemas.microsoft.com/office/powerpoint/2015/main" val="1"/>
+              </p:ext>
+            </p:extLst>
+          </p:nvPr>
+        </p:nvSpPr>
+        <p:spPr>
+          <a:xfrm>
+            <a:off x="763" y="2526526"/>
+            <a:ext cx="1169701" cy="3563378"/>
+          </a:xfrm>
+          <a:prstGeom prst="rect">
+            <a:avLst/>
+          </a:prstGeom>
+          <a:solidFill>
+            <a:srgbClr val="C8C8C8">
+              <a:alpha val="49804"/>
+            </a:srgbClr>
+          </a:solidFill>
+          <a:ln>
+            <a:noFill/>
+          </a:ln>
+        </p:spPr>
+        <p:style>
+          <a:lnRef idx="2">
+            <a:schemeClr val="accent1">
+              <a:shade val="50000"/>
+            </a:schemeClr>
+          </a:lnRef>
+          <a:fillRef idx="1">
+            <a:schemeClr val="accent1"/>
+          </a:fillRef>
+          <a:effectRef idx="0">
+            <a:schemeClr val="accent1"/>
+          </a:effectRef>
+          <a:fontRef idx="minor">
+            <a:schemeClr val="lt1"/>
+          </a:fontRef>
+        </p:style>
+      </p:sp>
+      <p:sp>
+        <p:nvSpPr>
+          <p:cNvPr id="16" name="Rectangle 15">
+            <a:extLst>
+              <a:ext uri="{FF2B5EF4-FFF2-40B4-BE49-F238E27FC236}">
+                <a16:creationId xmlns:a16="http://schemas.microsoft.com/office/drawing/2014/main" id="{3FE91770-CDBB-4D24-94E5-AD484F36CE87}"/>
+              </a:ext>
+              <a:ext uri="{C183D7F6-B498-43B3-948B-1728B52AA6E4}">
+                <adec:decorative xmlns:adec="http://schemas.microsoft.com/office/drawing/2017/decorative" val="1"/>
+              </a:ext>
+            </a:extLst>
+          </p:cNvPr>
+          <p:cNvSpPr>
+            <a:spLocks noGrp="1" noRot="1" noChangeAspect="1" noMove="1" noResize="1" noEditPoints="1" noAdjustHandles="1" noChangeArrowheads="1" noChangeShapeType="1" noTextEdit="1"/>
+          </p:cNvSpPr>
+          <p:nvPr>
+            <p:extLst>
+              <p:ext uri="{386F3935-93C4-4BCD-93E2-E3B085C9AB24}">
+                <p16:designElem xmlns:p16="http://schemas.microsoft.com/office/powerpoint/2015/main" val="1"/>
+              </p:ext>
+            </p:extLst>
+          </p:nvPr>
+        </p:nvSpPr>
+        <p:spPr>
+          <a:xfrm>
+            <a:off x="1279019" y="2526526"/>
+            <a:ext cx="10920893" cy="3563377"/>
+          </a:xfrm>
+          <a:prstGeom prst="rect">
+            <a:avLst/>
+          </a:prstGeom>
+          <a:solidFill>
+            <a:schemeClr val="bg2">
+              <a:lumMod val="60000"/>
+              <a:lumOff val="40000"/>
+              <a:alpha val="60000"/>
+            </a:schemeClr>
+          </a:solidFill>
+          <a:ln>
+            <a:noFill/>
+          </a:ln>
+        </p:spPr>
+        <p:style>
+          <a:lnRef idx="2">
+            <a:schemeClr val="accent1">
+              <a:shade val="50000"/>
+            </a:schemeClr>
+          </a:lnRef>
+          <a:fillRef idx="1">
+            <a:schemeClr val="accent1"/>
+          </a:fillRef>
+          <a:effectRef idx="0">
+            <a:schemeClr val="accent1"/>
+          </a:effectRef>
+          <a:fontRef idx="minor">
+            <a:schemeClr val="lt1"/>
+          </a:fontRef>
+        </p:style>
+        <p:txBody>
+          <a:bodyPr/>
+          <a:lstStyle/>
+          <a:p>
+            <a:endParaRPr lang="en-US" dirty="0"/>
+          </a:p>
+        </p:txBody>
+      </p:sp>
+      <p:sp>
+        <p:nvSpPr>
+          <p:cNvPr id="15" name="Rectangle 14">
+            <a:extLst>
+              <a:ext uri="{FF2B5EF4-FFF2-40B4-BE49-F238E27FC236}">
+                <a16:creationId xmlns:a16="http://schemas.microsoft.com/office/drawing/2014/main" id="{1C5612B3-95D6-4928-93D0-9909A2EF94DD}"/>
+              </a:ext>
+            </a:extLst>
+          </p:cNvPr>
+          <p:cNvSpPr/>
+          <p:nvPr/>
+        </p:nvSpPr>
+        <p:spPr>
+          <a:xfrm>
+            <a:off x="7983283" y="5959348"/>
+            <a:ext cx="1278467" cy="279400"/>
+          </a:xfrm>
+          <a:prstGeom prst="rect">
+            <a:avLst/>
+          </a:prstGeom>
+        </p:spPr>
+        <p:style>
+          <a:lnRef idx="2">
+            <a:schemeClr val="accent1">
+              <a:shade val="50000"/>
+            </a:schemeClr>
+          </a:lnRef>
+          <a:fillRef idx="1">
+            <a:schemeClr val="accent1"/>
+          </a:fillRef>
+          <a:effectRef idx="0">
+            <a:schemeClr val="accent1"/>
+          </a:effectRef>
+          <a:fontRef idx="minor">
+            <a:schemeClr val="lt1"/>
+          </a:fontRef>
+        </p:style>
+        <p:txBody>
+          <a:bodyPr rtlCol="0" anchor="ctr"/>
+          <a:lstStyle/>
+          <a:p>
+            <a:pPr algn="ctr"/>
+            <a:r>
+              <a:rPr lang="en-US" dirty="0"/>
+              <a:t>Family</a:t>
+            </a:r>
+            <a:endParaRPr lang="en-CA" dirty="0"/>
+          </a:p>
+        </p:txBody>
+      </p:sp>
+      <p:sp>
+        <p:nvSpPr>
+          <p:cNvPr id="6" name="Content Placeholder 5">
+            <a:extLst>
+              <a:ext uri="{FF2B5EF4-FFF2-40B4-BE49-F238E27FC236}">
+                <a16:creationId xmlns:a16="http://schemas.microsoft.com/office/drawing/2014/main" id="{BB28FF0D-C3E0-404F-92FC-FEDC4CAEE231}"/>
+              </a:ext>
+            </a:extLst>
+          </p:cNvPr>
+          <p:cNvSpPr>
+            <a:spLocks noGrp="1"/>
+          </p:cNvSpPr>
+          <p:nvPr>
+            <p:ph idx="1"/>
+          </p:nvPr>
+        </p:nvSpPr>
+        <p:spPr/>
+        <p:txBody>
+          <a:bodyPr/>
+          <a:lstStyle/>
+          <a:p>
+            <a:endParaRPr lang="en-CA" dirty="0"/>
+          </a:p>
+        </p:txBody>
+      </p:sp>
+      <p:graphicFrame>
+        <p:nvGraphicFramePr>
+          <p:cNvPr id="17" name="Chart 16">
+            <a:extLst>
+              <a:ext uri="{FF2B5EF4-FFF2-40B4-BE49-F238E27FC236}">
+                <a16:creationId xmlns:a16="http://schemas.microsoft.com/office/drawing/2014/main" id="{EA879C71-5AF5-41C8-B1B7-5C5C1A47F73E}"/>
+              </a:ext>
+            </a:extLst>
+          </p:cNvPr>
+          <p:cNvGraphicFramePr>
+            <a:graphicFrameLocks/>
+          </p:cNvGraphicFramePr>
+          <p:nvPr>
+            <p:extLst>
+              <p:ext uri="{D42A27DB-BD31-4B8C-83A1-F6EECF244321}">
+                <p14:modId xmlns:p14="http://schemas.microsoft.com/office/powerpoint/2010/main" val="2760919931"/>
+              </p:ext>
+            </p:extLst>
+          </p:nvPr>
+        </p:nvGraphicFramePr>
+        <p:xfrm>
+          <a:off x="6193141" y="2624890"/>
+          <a:ext cx="4525606" cy="3064710"/>
+        </p:xfrm>
+        <a:graphic>
+          <a:graphicData uri="http://schemas.openxmlformats.org/drawingml/2006/chart">
+            <c:chart xmlns:c="http://schemas.openxmlformats.org/drawingml/2006/chart" xmlns:r="http://schemas.openxmlformats.org/officeDocument/2006/relationships" r:id="rId2"/>
+          </a:graphicData>
+        </a:graphic>
+      </p:graphicFrame>
+      <p:graphicFrame>
+        <p:nvGraphicFramePr>
+          <p:cNvPr id="18" name="Chart 17">
+            <a:extLst>
+              <a:ext uri="{FF2B5EF4-FFF2-40B4-BE49-F238E27FC236}">
+                <a16:creationId xmlns:a16="http://schemas.microsoft.com/office/drawing/2014/main" id="{FB01F473-16AA-44D4-8169-F74E91D670EE}"/>
+              </a:ext>
+            </a:extLst>
+          </p:cNvPr>
+          <p:cNvGraphicFramePr>
+            <a:graphicFrameLocks/>
+          </p:cNvGraphicFramePr>
+          <p:nvPr>
+            <p:extLst>
+              <p:ext uri="{D42A27DB-BD31-4B8C-83A1-F6EECF244321}">
+                <p14:modId xmlns:p14="http://schemas.microsoft.com/office/powerpoint/2010/main" val="3364650179"/>
+              </p:ext>
+            </p:extLst>
+          </p:nvPr>
+        </p:nvGraphicFramePr>
+        <p:xfrm>
+          <a:off x="1778000" y="3181319"/>
+          <a:ext cx="4306586" cy="2589307"/>
+        </p:xfrm>
+        <a:graphic>
+          <a:graphicData uri="http://schemas.openxmlformats.org/drawingml/2006/chart">
+            <c:chart xmlns:c="http://schemas.openxmlformats.org/drawingml/2006/chart" xmlns:r="http://schemas.openxmlformats.org/officeDocument/2006/relationships" r:id="rId3"/>
+          </a:graphicData>
+        </a:graphic>
+      </p:graphicFrame>
+      <p:sp>
+        <p:nvSpPr>
+          <p:cNvPr id="19" name="Rectangle 18">
+            <a:extLst>
+              <a:ext uri="{FF2B5EF4-FFF2-40B4-BE49-F238E27FC236}">
+                <a16:creationId xmlns:a16="http://schemas.microsoft.com/office/drawing/2014/main" id="{2FF527B1-4C43-4242-A264-8CF4951A9A31}"/>
+              </a:ext>
+            </a:extLst>
+          </p:cNvPr>
+          <p:cNvSpPr/>
+          <p:nvPr/>
+        </p:nvSpPr>
+        <p:spPr>
+          <a:xfrm>
+            <a:off x="3292059" y="5948511"/>
+            <a:ext cx="1278467" cy="279400"/>
+          </a:xfrm>
+          <a:prstGeom prst="rect">
+            <a:avLst/>
+          </a:prstGeom>
+        </p:spPr>
+        <p:style>
+          <a:lnRef idx="2">
+            <a:schemeClr val="accent1">
+              <a:shade val="50000"/>
+            </a:schemeClr>
+          </a:lnRef>
+          <a:fillRef idx="1">
+            <a:schemeClr val="accent1"/>
+          </a:fillRef>
+          <a:effectRef idx="0">
+            <a:schemeClr val="accent1"/>
+          </a:effectRef>
+          <a:fontRef idx="minor">
+            <a:schemeClr val="lt1"/>
+          </a:fontRef>
+        </p:style>
+        <p:txBody>
+          <a:bodyPr rtlCol="0" anchor="ctr"/>
+          <a:lstStyle/>
+          <a:p>
+            <a:pPr algn="ctr"/>
+            <a:r>
+              <a:rPr lang="en-US" dirty="0"/>
+              <a:t>Subfamily</a:t>
+            </a:r>
+            <a:endParaRPr lang="en-CA" dirty="0"/>
+          </a:p>
+        </p:txBody>
+      </p:sp>
+    </p:spTree>
+    <p:extLst>
+      <p:ext uri="{BB962C8B-B14F-4D97-AF65-F5344CB8AC3E}">
+        <p14:creationId xmlns:p14="http://schemas.microsoft.com/office/powerpoint/2010/main" val="3023341709"/>
+      </p:ext>
+    </p:extLst>
+  </p:cSld>
+  <p:clrMapOvr>
+    <a:masterClrMapping/>
+  </p:clrMapOvr>
+</p:sld>
+</file>
+
+<file path=ppt/slides/slide15.xml><?xml version="1.0" encoding="utf-8"?>
+<p:sld xmlns:a="http://schemas.openxmlformats.org/drawingml/2006/main" xmlns:r="http://schemas.openxmlformats.org/officeDocument/2006/relationships" xmlns:p="http://schemas.openxmlformats.org/presentationml/2006/main">
+  <p:cSld>
+    <p:bg>
+      <p:bgPr>
+        <a:solidFill>
+          <a:schemeClr val="bg1"/>
+        </a:solidFill>
+        <a:effectLst/>
+      </p:bgPr>
+    </p:bg>
+    <p:spTree>
+      <p:nvGrpSpPr>
+        <p:cNvPr id="1" name=""/>
+        <p:cNvGrpSpPr/>
+        <p:nvPr/>
+      </p:nvGrpSpPr>
+      <p:grpSpPr>
+        <a:xfrm>
+          <a:off x="0" y="0"/>
+          <a:ext cx="0" cy="0"/>
+          <a:chOff x="0" y="0"/>
+          <a:chExt cx="0" cy="0"/>
+        </a:xfrm>
+      </p:grpSpPr>
+      <p:sp useBgFill="1">
+        <p:nvSpPr>
+          <p:cNvPr id="8" name="Rectangle 7">
+            <a:extLst>
+              <a:ext uri="{FF2B5EF4-FFF2-40B4-BE49-F238E27FC236}">
+                <a16:creationId xmlns:a16="http://schemas.microsoft.com/office/drawing/2014/main" id="{29DC5A77-10C9-4ECF-B7EB-8D917F36A9EE}"/>
+              </a:ext>
+              <a:ext uri="{C183D7F6-B498-43B3-948B-1728B52AA6E4}">
+                <adec:decorative xmlns:adec="http://schemas.microsoft.com/office/drawing/2017/decorative" val="1"/>
+              </a:ext>
+            </a:extLst>
+          </p:cNvPr>
+          <p:cNvSpPr>
+            <a:spLocks noGrp="1" noRot="1" noChangeAspect="1" noMove="1" noResize="1" noEditPoints="1" noAdjustHandles="1" noChangeArrowheads="1" noChangeShapeType="1" noTextEdit="1"/>
+          </p:cNvSpPr>
+          <p:nvPr>
+            <p:extLst>
+              <p:ext uri="{386F3935-93C4-4BCD-93E2-E3B085C9AB24}">
+                <p16:designElem xmlns:p16="http://schemas.microsoft.com/office/powerpoint/2015/main" val="1"/>
+              </p:ext>
+            </p:extLst>
+          </p:nvPr>
+        </p:nvSpPr>
+        <p:spPr>
+          <a:xfrm>
+            <a:off x="0" y="0"/>
+            <a:ext cx="12192000" cy="6858000"/>
+          </a:xfrm>
+          <a:prstGeom prst="rect">
+            <a:avLst/>
+          </a:prstGeom>
+          <a:ln>
+            <a:noFill/>
+          </a:ln>
+        </p:spPr>
+        <p:style>
+          <a:lnRef idx="2">
+            <a:schemeClr val="accent1">
+              <a:shade val="50000"/>
+            </a:schemeClr>
+          </a:lnRef>
+          <a:fillRef idx="1">
+            <a:schemeClr val="accent1"/>
+          </a:fillRef>
+          <a:effectRef idx="0">
+            <a:schemeClr val="accent1"/>
+          </a:effectRef>
+          <a:fontRef idx="minor">
+            <a:schemeClr val="lt1"/>
+          </a:fontRef>
+        </p:style>
+        <p:txBody>
+          <a:bodyPr rtlCol="0" anchor="ctr"/>
+          <a:lstStyle/>
+          <a:p>
+            <a:pPr algn="ctr"/>
+            <a:endParaRPr lang="en-US"/>
+          </a:p>
+        </p:txBody>
+      </p:sp>
+      <p:sp>
+        <p:nvSpPr>
+          <p:cNvPr id="10" name="Rectangle 9">
+            <a:extLst>
+              <a:ext uri="{FF2B5EF4-FFF2-40B4-BE49-F238E27FC236}">
+                <a16:creationId xmlns:a16="http://schemas.microsoft.com/office/drawing/2014/main" id="{2FFE28B5-FB16-49A9-B851-3C35FAC0CACB}"/>
+              </a:ext>
+              <a:ext uri="{C183D7F6-B498-43B3-948B-1728B52AA6E4}">
+                <adec:decorative xmlns:adec="http://schemas.microsoft.com/office/drawing/2017/decorative" val="1"/>
+              </a:ext>
+            </a:extLst>
+          </p:cNvPr>
+          <p:cNvSpPr>
+            <a:spLocks noGrp="1" noRot="1" noChangeAspect="1" noMove="1" noResize="1" noEditPoints="1" noAdjustHandles="1" noChangeArrowheads="1" noChangeShapeType="1" noTextEdit="1"/>
+          </p:cNvSpPr>
+          <p:nvPr>
+            <p:extLst>
+              <p:ext uri="{386F3935-93C4-4BCD-93E2-E3B085C9AB24}">
+                <p16:designElem xmlns:p16="http://schemas.microsoft.com/office/powerpoint/2015/main" val="1"/>
+              </p:ext>
+            </p:extLst>
+          </p:nvPr>
+        </p:nvSpPr>
+        <p:spPr>
+          <a:xfrm>
+            <a:off x="1" y="758952"/>
+            <a:ext cx="10905976" cy="1651133"/>
+          </a:xfrm>
+          <a:prstGeom prst="rect">
+            <a:avLst/>
+          </a:prstGeom>
+          <a:solidFill>
+            <a:schemeClr val="accent1"/>
+          </a:solidFill>
+          <a:ln>
+            <a:noFill/>
+          </a:ln>
+        </p:spPr>
+        <p:style>
+          <a:lnRef idx="2">
+            <a:schemeClr val="accent1">
+              <a:shade val="50000"/>
+            </a:schemeClr>
+          </a:lnRef>
+          <a:fillRef idx="1">
+            <a:schemeClr val="accent1"/>
+          </a:fillRef>
+          <a:effectRef idx="0">
+            <a:schemeClr val="accent1"/>
+          </a:effectRef>
+          <a:fontRef idx="minor">
+            <a:schemeClr val="lt1"/>
+          </a:fontRef>
+        </p:style>
+        <p:txBody>
+          <a:bodyPr/>
+          <a:lstStyle/>
+          <a:p>
+            <a:endParaRPr lang="en-US" dirty="0"/>
+          </a:p>
+        </p:txBody>
+      </p:sp>
+      <p:sp>
+        <p:nvSpPr>
+          <p:cNvPr id="2" name="Title 1">
+            <a:extLst>
+              <a:ext uri="{FF2B5EF4-FFF2-40B4-BE49-F238E27FC236}">
+                <a16:creationId xmlns:a16="http://schemas.microsoft.com/office/drawing/2014/main" id="{C9E990F2-392A-488E-961A-2AD74ECFA382}"/>
+              </a:ext>
+            </a:extLst>
+          </p:cNvPr>
+          <p:cNvSpPr>
+            <a:spLocks noGrp="1"/>
+          </p:cNvSpPr>
+          <p:nvPr>
+            <p:ph type="title"/>
+          </p:nvPr>
+        </p:nvSpPr>
+        <p:spPr>
+          <a:xfrm>
+            <a:off x="1600754" y="1087374"/>
+            <a:ext cx="8983489" cy="1000978"/>
+          </a:xfrm>
+        </p:spPr>
+        <p:txBody>
+          <a:bodyPr>
+            <a:normAutofit/>
+          </a:bodyPr>
+          <a:lstStyle/>
+          <a:p>
+            <a:r>
+              <a:rPr lang="en-US" dirty="0"/>
+              <a:t>Discussion</a:t>
+            </a:r>
+            <a:endParaRPr lang="en-CA" dirty="0"/>
+          </a:p>
+        </p:txBody>
+      </p:sp>
+      <p:sp>
+        <p:nvSpPr>
+          <p:cNvPr id="12" name="Rectangle 11">
+            <a:extLst>
+              <a:ext uri="{FF2B5EF4-FFF2-40B4-BE49-F238E27FC236}">
+                <a16:creationId xmlns:a16="http://schemas.microsoft.com/office/drawing/2014/main" id="{01014442-855A-4E0F-8D09-C314661A48B9}"/>
+              </a:ext>
+              <a:ext uri="{C183D7F6-B498-43B3-948B-1728B52AA6E4}">
+                <adec:decorative xmlns:adec="http://schemas.microsoft.com/office/drawing/2017/decorative" val="1"/>
+              </a:ext>
+            </a:extLst>
+          </p:cNvPr>
+          <p:cNvSpPr>
+            <a:spLocks noGrp="1" noRot="1" noChangeAspect="1" noMove="1" noResize="1" noEditPoints="1" noAdjustHandles="1" noChangeArrowheads="1" noChangeShapeType="1" noTextEdit="1"/>
+          </p:cNvSpPr>
+          <p:nvPr>
+            <p:extLst>
+              <p:ext uri="{386F3935-93C4-4BCD-93E2-E3B085C9AB24}">
+                <p16:designElem xmlns:p16="http://schemas.microsoft.com/office/powerpoint/2015/main" val="1"/>
+              </p:ext>
+            </p:extLst>
+          </p:nvPr>
+        </p:nvSpPr>
+        <p:spPr>
+          <a:xfrm>
+            <a:off x="11014533" y="758952"/>
+            <a:ext cx="1185379" cy="1651133"/>
+          </a:xfrm>
+          <a:prstGeom prst="rect">
+            <a:avLst/>
+          </a:prstGeom>
+          <a:solidFill>
+            <a:srgbClr val="C8C8C8">
+              <a:alpha val="49804"/>
+            </a:srgbClr>
+          </a:solidFill>
+          <a:ln>
+            <a:noFill/>
+          </a:ln>
+        </p:spPr>
+        <p:style>
+          <a:lnRef idx="2">
+            <a:schemeClr val="accent1">
+              <a:shade val="50000"/>
+            </a:schemeClr>
+          </a:lnRef>
+          <a:fillRef idx="1">
+            <a:schemeClr val="accent1"/>
+          </a:fillRef>
+          <a:effectRef idx="0">
+            <a:schemeClr val="accent1"/>
+          </a:effectRef>
+          <a:fontRef idx="minor">
+            <a:schemeClr val="lt1"/>
+          </a:fontRef>
+        </p:style>
+      </p:sp>
+      <p:sp>
+        <p:nvSpPr>
+          <p:cNvPr id="14" name="Rectangle 13">
+            <a:extLst>
+              <a:ext uri="{FF2B5EF4-FFF2-40B4-BE49-F238E27FC236}">
+                <a16:creationId xmlns:a16="http://schemas.microsoft.com/office/drawing/2014/main" id="{9B1ABF09-86CF-414E-88A5-2B84CC7232A9}"/>
+              </a:ext>
+              <a:ext uri="{C183D7F6-B498-43B3-948B-1728B52AA6E4}">
+                <adec:decorative xmlns:adec="http://schemas.microsoft.com/office/drawing/2017/decorative" val="1"/>
+              </a:ext>
+            </a:extLst>
+          </p:cNvPr>
+          <p:cNvSpPr>
+            <a:spLocks noGrp="1" noRot="1" noChangeAspect="1" noMove="1" noResize="1" noEditPoints="1" noAdjustHandles="1" noChangeArrowheads="1" noChangeShapeType="1" noTextEdit="1"/>
+          </p:cNvSpPr>
+          <p:nvPr>
+            <p:extLst>
+              <p:ext uri="{386F3935-93C4-4BCD-93E2-E3B085C9AB24}">
+                <p16:designElem xmlns:p16="http://schemas.microsoft.com/office/powerpoint/2015/main" val="1"/>
+              </p:ext>
+            </p:extLst>
+          </p:nvPr>
+        </p:nvSpPr>
+        <p:spPr>
+          <a:xfrm>
+            <a:off x="763" y="2526526"/>
+            <a:ext cx="1169701" cy="3563378"/>
+          </a:xfrm>
+          <a:prstGeom prst="rect">
+            <a:avLst/>
+          </a:prstGeom>
+          <a:solidFill>
+            <a:srgbClr val="C8C8C8">
+              <a:alpha val="49804"/>
+            </a:srgbClr>
+          </a:solidFill>
+          <a:ln>
+            <a:noFill/>
+          </a:ln>
+        </p:spPr>
+        <p:style>
+          <a:lnRef idx="2">
+            <a:schemeClr val="accent1">
+              <a:shade val="50000"/>
+            </a:schemeClr>
+          </a:lnRef>
+          <a:fillRef idx="1">
+            <a:schemeClr val="accent1"/>
+          </a:fillRef>
+          <a:effectRef idx="0">
+            <a:schemeClr val="accent1"/>
+          </a:effectRef>
+          <a:fontRef idx="minor">
+            <a:schemeClr val="lt1"/>
+          </a:fontRef>
+        </p:style>
+      </p:sp>
+      <p:sp>
+        <p:nvSpPr>
+          <p:cNvPr id="16" name="Rectangle 15">
+            <a:extLst>
+              <a:ext uri="{FF2B5EF4-FFF2-40B4-BE49-F238E27FC236}">
+                <a16:creationId xmlns:a16="http://schemas.microsoft.com/office/drawing/2014/main" id="{3FE91770-CDBB-4D24-94E5-AD484F36CE87}"/>
+              </a:ext>
+              <a:ext uri="{C183D7F6-B498-43B3-948B-1728B52AA6E4}">
+                <adec:decorative xmlns:adec="http://schemas.microsoft.com/office/drawing/2017/decorative" val="1"/>
+              </a:ext>
+            </a:extLst>
+          </p:cNvPr>
+          <p:cNvSpPr>
+            <a:spLocks noGrp="1" noRot="1" noChangeAspect="1" noMove="1" noResize="1" noEditPoints="1" noAdjustHandles="1" noChangeArrowheads="1" noChangeShapeType="1" noTextEdit="1"/>
+          </p:cNvSpPr>
+          <p:nvPr>
+            <p:extLst>
+              <p:ext uri="{386F3935-93C4-4BCD-93E2-E3B085C9AB24}">
+                <p16:designElem xmlns:p16="http://schemas.microsoft.com/office/powerpoint/2015/main" val="1"/>
+              </p:ext>
+            </p:extLst>
+          </p:nvPr>
+        </p:nvSpPr>
+        <p:spPr>
+          <a:xfrm>
+            <a:off x="1279019" y="2526526"/>
+            <a:ext cx="10920893" cy="3563377"/>
+          </a:xfrm>
+          <a:prstGeom prst="rect">
+            <a:avLst/>
+          </a:prstGeom>
+          <a:solidFill>
+            <a:schemeClr val="bg2">
+              <a:lumMod val="60000"/>
+              <a:lumOff val="40000"/>
+              <a:alpha val="60000"/>
+            </a:schemeClr>
+          </a:solidFill>
+          <a:ln>
+            <a:noFill/>
+          </a:ln>
+        </p:spPr>
+        <p:style>
+          <a:lnRef idx="2">
+            <a:schemeClr val="accent1">
+              <a:shade val="50000"/>
+            </a:schemeClr>
+          </a:lnRef>
+          <a:fillRef idx="1">
+            <a:schemeClr val="accent1"/>
+          </a:fillRef>
+          <a:effectRef idx="0">
+            <a:schemeClr val="accent1"/>
+          </a:effectRef>
+          <a:fontRef idx="minor">
+            <a:schemeClr val="lt1"/>
+          </a:fontRef>
+        </p:style>
+        <p:txBody>
+          <a:bodyPr/>
+          <a:lstStyle/>
+          <a:p>
+            <a:endParaRPr lang="en-US" dirty="0"/>
+          </a:p>
+        </p:txBody>
+      </p:sp>
+      <p:sp>
+        <p:nvSpPr>
+          <p:cNvPr id="3" name="Content Placeholder 2">
+            <a:extLst>
+              <a:ext uri="{FF2B5EF4-FFF2-40B4-BE49-F238E27FC236}">
+                <a16:creationId xmlns:a16="http://schemas.microsoft.com/office/drawing/2014/main" id="{93FFF71B-CFE2-4CC8-AD16-16CE61AD1626}"/>
+              </a:ext>
+            </a:extLst>
+          </p:cNvPr>
+          <p:cNvSpPr>
+            <a:spLocks noGrp="1"/>
+          </p:cNvSpPr>
+          <p:nvPr>
+            <p:ph idx="1"/>
+          </p:nvPr>
+        </p:nvSpPr>
+        <p:spPr>
+          <a:xfrm>
+            <a:off x="1600753" y="2535446"/>
+            <a:ext cx="8983489" cy="3554457"/>
+          </a:xfrm>
+        </p:spPr>
+        <p:txBody>
+          <a:bodyPr>
+            <a:normAutofit/>
+          </a:bodyPr>
+          <a:lstStyle/>
+          <a:p>
+            <a:r>
+              <a:rPr lang="en-US" dirty="0">
+                <a:solidFill>
+                  <a:schemeClr val="tx1"/>
+                </a:solidFill>
+                <a:latin typeface="+mj-lt"/>
+              </a:rPr>
+              <a:t>Feature extraction needs background knowledge on the data</a:t>
+            </a:r>
+          </a:p>
+          <a:p>
+            <a:r>
+              <a:rPr lang="en-US" dirty="0">
+                <a:solidFill>
+                  <a:schemeClr val="tx1"/>
+                </a:solidFill>
+                <a:latin typeface="+mj-lt"/>
+              </a:rPr>
+              <a:t>BLAST works better because of providing knowledge using pairwise alignment score</a:t>
+            </a:r>
+          </a:p>
+          <a:p>
+            <a:pPr marL="0" indent="0">
+              <a:buNone/>
+            </a:pPr>
+            <a:br>
+              <a:rPr lang="en-US" dirty="0"/>
+            </a:br>
+            <a:endParaRPr lang="en-CA" dirty="0">
+              <a:solidFill>
+                <a:schemeClr val="tx1"/>
+              </a:solidFill>
+            </a:endParaRPr>
+          </a:p>
+        </p:txBody>
+      </p:sp>
+    </p:spTree>
+    <p:extLst>
+      <p:ext uri="{BB962C8B-B14F-4D97-AF65-F5344CB8AC3E}">
+        <p14:creationId xmlns:p14="http://schemas.microsoft.com/office/powerpoint/2010/main" val="2246696677"/>
+      </p:ext>
+    </p:extLst>
+  </p:cSld>
+  <p:clrMapOvr>
+    <a:masterClrMapping/>
+  </p:clrMapOvr>
+</p:sld>
+</file>
+
+<file path=ppt/slides/slide16.xml><?xml version="1.0" encoding="utf-8"?>
+<p:sld xmlns:a="http://schemas.openxmlformats.org/drawingml/2006/main" xmlns:r="http://schemas.openxmlformats.org/officeDocument/2006/relationships" xmlns:p="http://schemas.openxmlformats.org/presentationml/2006/main">
+  <p:cSld>
+    <p:bg>
+      <p:bgPr>
+        <a:solidFill>
+          <a:schemeClr val="bg1"/>
+        </a:solidFill>
+        <a:effectLst/>
+      </p:bgPr>
+    </p:bg>
+    <p:spTree>
+      <p:nvGrpSpPr>
+        <p:cNvPr id="1" name=""/>
+        <p:cNvGrpSpPr/>
+        <p:nvPr/>
+      </p:nvGrpSpPr>
+      <p:grpSpPr>
+        <a:xfrm>
+          <a:off x="0" y="0"/>
+          <a:ext cx="0" cy="0"/>
+          <a:chOff x="0" y="0"/>
+          <a:chExt cx="0" cy="0"/>
+        </a:xfrm>
+      </p:grpSpPr>
+      <p:sp useBgFill="1">
+        <p:nvSpPr>
+          <p:cNvPr id="8" name="Rectangle 7">
+            <a:extLst>
+              <a:ext uri="{FF2B5EF4-FFF2-40B4-BE49-F238E27FC236}">
+                <a16:creationId xmlns:a16="http://schemas.microsoft.com/office/drawing/2014/main" id="{29DC5A77-10C9-4ECF-B7EB-8D917F36A9EE}"/>
+              </a:ext>
+              <a:ext uri="{C183D7F6-B498-43B3-948B-1728B52AA6E4}">
+                <adec:decorative xmlns:adec="http://schemas.microsoft.com/office/drawing/2017/decorative" val="1"/>
+              </a:ext>
+            </a:extLst>
+          </p:cNvPr>
+          <p:cNvSpPr>
+            <a:spLocks noGrp="1" noRot="1" noChangeAspect="1" noMove="1" noResize="1" noEditPoints="1" noAdjustHandles="1" noChangeArrowheads="1" noChangeShapeType="1" noTextEdit="1"/>
+          </p:cNvSpPr>
+          <p:nvPr>
+            <p:extLst>
+              <p:ext uri="{386F3935-93C4-4BCD-93E2-E3B085C9AB24}">
+                <p16:designElem xmlns:p16="http://schemas.microsoft.com/office/powerpoint/2015/main" val="1"/>
+              </p:ext>
+            </p:extLst>
+          </p:nvPr>
+        </p:nvSpPr>
+        <p:spPr>
+          <a:xfrm>
+            <a:off x="0" y="0"/>
+            <a:ext cx="12192000" cy="6858000"/>
+          </a:xfrm>
+          <a:prstGeom prst="rect">
+            <a:avLst/>
+          </a:prstGeom>
+          <a:ln>
+            <a:noFill/>
+          </a:ln>
+        </p:spPr>
+        <p:style>
+          <a:lnRef idx="2">
+            <a:schemeClr val="accent1">
+              <a:shade val="50000"/>
+            </a:schemeClr>
+          </a:lnRef>
+          <a:fillRef idx="1">
+            <a:schemeClr val="accent1"/>
+          </a:fillRef>
+          <a:effectRef idx="0">
+            <a:schemeClr val="accent1"/>
+          </a:effectRef>
+          <a:fontRef idx="minor">
+            <a:schemeClr val="lt1"/>
+          </a:fontRef>
+        </p:style>
+        <p:txBody>
+          <a:bodyPr rtlCol="0" anchor="ctr"/>
+          <a:lstStyle/>
+          <a:p>
+            <a:pPr algn="ctr"/>
+            <a:endParaRPr lang="en-US"/>
+          </a:p>
+        </p:txBody>
+      </p:sp>
+      <p:sp>
+        <p:nvSpPr>
+          <p:cNvPr id="10" name="Rectangle 9">
+            <a:extLst>
+              <a:ext uri="{FF2B5EF4-FFF2-40B4-BE49-F238E27FC236}">
+                <a16:creationId xmlns:a16="http://schemas.microsoft.com/office/drawing/2014/main" id="{2FFE28B5-FB16-49A9-B851-3C35FAC0CACB}"/>
+              </a:ext>
+              <a:ext uri="{C183D7F6-B498-43B3-948B-1728B52AA6E4}">
+                <adec:decorative xmlns:adec="http://schemas.microsoft.com/office/drawing/2017/decorative" val="1"/>
+              </a:ext>
+            </a:extLst>
+          </p:cNvPr>
+          <p:cNvSpPr>
+            <a:spLocks noGrp="1" noRot="1" noChangeAspect="1" noMove="1" noResize="1" noEditPoints="1" noAdjustHandles="1" noChangeArrowheads="1" noChangeShapeType="1" noTextEdit="1"/>
+          </p:cNvSpPr>
+          <p:nvPr>
+            <p:extLst>
+              <p:ext uri="{386F3935-93C4-4BCD-93E2-E3B085C9AB24}">
+                <p16:designElem xmlns:p16="http://schemas.microsoft.com/office/powerpoint/2015/main" val="1"/>
+              </p:ext>
+            </p:extLst>
+          </p:nvPr>
+        </p:nvSpPr>
+        <p:spPr>
+          <a:xfrm>
+            <a:off x="1" y="758952"/>
+            <a:ext cx="10905976" cy="1651133"/>
+          </a:xfrm>
+          <a:prstGeom prst="rect">
+            <a:avLst/>
+          </a:prstGeom>
+          <a:solidFill>
+            <a:schemeClr val="accent1"/>
+          </a:solidFill>
+          <a:ln>
+            <a:noFill/>
+          </a:ln>
+        </p:spPr>
+        <p:style>
+          <a:lnRef idx="2">
+            <a:schemeClr val="accent1">
+              <a:shade val="50000"/>
+            </a:schemeClr>
+          </a:lnRef>
+          <a:fillRef idx="1">
+            <a:schemeClr val="accent1"/>
+          </a:fillRef>
+          <a:effectRef idx="0">
+            <a:schemeClr val="accent1"/>
+          </a:effectRef>
+          <a:fontRef idx="minor">
+            <a:schemeClr val="lt1"/>
+          </a:fontRef>
+        </p:style>
+        <p:txBody>
+          <a:bodyPr/>
+          <a:lstStyle/>
+          <a:p>
+            <a:endParaRPr lang="en-US" dirty="0"/>
+          </a:p>
+        </p:txBody>
+      </p:sp>
+      <p:sp>
+        <p:nvSpPr>
+          <p:cNvPr id="2" name="Title 1">
+            <a:extLst>
+              <a:ext uri="{FF2B5EF4-FFF2-40B4-BE49-F238E27FC236}">
+                <a16:creationId xmlns:a16="http://schemas.microsoft.com/office/drawing/2014/main" id="{C9E990F2-392A-488E-961A-2AD74ECFA382}"/>
+              </a:ext>
+            </a:extLst>
+          </p:cNvPr>
+          <p:cNvSpPr>
+            <a:spLocks noGrp="1"/>
+          </p:cNvSpPr>
+          <p:nvPr>
+            <p:ph type="title"/>
+          </p:nvPr>
+        </p:nvSpPr>
+        <p:spPr>
+          <a:xfrm>
+            <a:off x="1600754" y="1087374"/>
+            <a:ext cx="8983489" cy="1000978"/>
+          </a:xfrm>
+        </p:spPr>
+        <p:txBody>
+          <a:bodyPr>
+            <a:normAutofit/>
+          </a:bodyPr>
+          <a:lstStyle/>
+          <a:p>
+            <a:r>
+              <a:rPr lang="en-US" dirty="0"/>
+              <a:t>Conclusion</a:t>
+            </a:r>
+            <a:endParaRPr lang="en-CA" dirty="0"/>
+          </a:p>
+        </p:txBody>
+      </p:sp>
+      <p:sp>
+        <p:nvSpPr>
+          <p:cNvPr id="12" name="Rectangle 11">
+            <a:extLst>
+              <a:ext uri="{FF2B5EF4-FFF2-40B4-BE49-F238E27FC236}">
+                <a16:creationId xmlns:a16="http://schemas.microsoft.com/office/drawing/2014/main" id="{01014442-855A-4E0F-8D09-C314661A48B9}"/>
+              </a:ext>
+              <a:ext uri="{C183D7F6-B498-43B3-948B-1728B52AA6E4}">
+                <adec:decorative xmlns:adec="http://schemas.microsoft.com/office/drawing/2017/decorative" val="1"/>
+              </a:ext>
+            </a:extLst>
+          </p:cNvPr>
+          <p:cNvSpPr>
+            <a:spLocks noGrp="1" noRot="1" noChangeAspect="1" noMove="1" noResize="1" noEditPoints="1" noAdjustHandles="1" noChangeArrowheads="1" noChangeShapeType="1" noTextEdit="1"/>
+          </p:cNvSpPr>
+          <p:nvPr>
+            <p:extLst>
+              <p:ext uri="{386F3935-93C4-4BCD-93E2-E3B085C9AB24}">
+                <p16:designElem xmlns:p16="http://schemas.microsoft.com/office/powerpoint/2015/main" val="1"/>
+              </p:ext>
+            </p:extLst>
+          </p:nvPr>
+        </p:nvSpPr>
+        <p:spPr>
+          <a:xfrm>
+            <a:off x="11014533" y="758952"/>
+            <a:ext cx="1185379" cy="1651133"/>
+          </a:xfrm>
+          <a:prstGeom prst="rect">
+            <a:avLst/>
+          </a:prstGeom>
+          <a:solidFill>
+            <a:srgbClr val="C8C8C8">
+              <a:alpha val="49804"/>
+            </a:srgbClr>
+          </a:solidFill>
+          <a:ln>
+            <a:noFill/>
+          </a:ln>
+        </p:spPr>
+        <p:style>
+          <a:lnRef idx="2">
+            <a:schemeClr val="accent1">
+              <a:shade val="50000"/>
+            </a:schemeClr>
+          </a:lnRef>
+          <a:fillRef idx="1">
+            <a:schemeClr val="accent1"/>
+          </a:fillRef>
+          <a:effectRef idx="0">
+            <a:schemeClr val="accent1"/>
+          </a:effectRef>
+          <a:fontRef idx="minor">
+            <a:schemeClr val="lt1"/>
+          </a:fontRef>
+        </p:style>
+      </p:sp>
+      <p:sp>
+        <p:nvSpPr>
+          <p:cNvPr id="14" name="Rectangle 13">
+            <a:extLst>
+              <a:ext uri="{FF2B5EF4-FFF2-40B4-BE49-F238E27FC236}">
+                <a16:creationId xmlns:a16="http://schemas.microsoft.com/office/drawing/2014/main" id="{9B1ABF09-86CF-414E-88A5-2B84CC7232A9}"/>
+              </a:ext>
+              <a:ext uri="{C183D7F6-B498-43B3-948B-1728B52AA6E4}">
+                <adec:decorative xmlns:adec="http://schemas.microsoft.com/office/drawing/2017/decorative" val="1"/>
+              </a:ext>
+            </a:extLst>
+          </p:cNvPr>
+          <p:cNvSpPr>
+            <a:spLocks noGrp="1" noRot="1" noChangeAspect="1" noMove="1" noResize="1" noEditPoints="1" noAdjustHandles="1" noChangeArrowheads="1" noChangeShapeType="1" noTextEdit="1"/>
+          </p:cNvSpPr>
+          <p:nvPr>
+            <p:extLst>
+              <p:ext uri="{386F3935-93C4-4BCD-93E2-E3B085C9AB24}">
+                <p16:designElem xmlns:p16="http://schemas.microsoft.com/office/powerpoint/2015/main" val="1"/>
+              </p:ext>
+            </p:extLst>
+          </p:nvPr>
+        </p:nvSpPr>
+        <p:spPr>
+          <a:xfrm>
+            <a:off x="763" y="2526526"/>
+            <a:ext cx="1169701" cy="3563378"/>
+          </a:xfrm>
+          <a:prstGeom prst="rect">
+            <a:avLst/>
+          </a:prstGeom>
+          <a:solidFill>
+            <a:srgbClr val="C8C8C8">
+              <a:alpha val="49804"/>
+            </a:srgbClr>
+          </a:solidFill>
+          <a:ln>
+            <a:noFill/>
+          </a:ln>
+        </p:spPr>
+        <p:style>
+          <a:lnRef idx="2">
+            <a:schemeClr val="accent1">
+              <a:shade val="50000"/>
+            </a:schemeClr>
+          </a:lnRef>
+          <a:fillRef idx="1">
+            <a:schemeClr val="accent1"/>
+          </a:fillRef>
+          <a:effectRef idx="0">
+            <a:schemeClr val="accent1"/>
+          </a:effectRef>
+          <a:fontRef idx="minor">
+            <a:schemeClr val="lt1"/>
+          </a:fontRef>
+        </p:style>
+      </p:sp>
+      <p:sp>
+        <p:nvSpPr>
+          <p:cNvPr id="16" name="Rectangle 15">
+            <a:extLst>
+              <a:ext uri="{FF2B5EF4-FFF2-40B4-BE49-F238E27FC236}">
+                <a16:creationId xmlns:a16="http://schemas.microsoft.com/office/drawing/2014/main" id="{3FE91770-CDBB-4D24-94E5-AD484F36CE87}"/>
+              </a:ext>
+              <a:ext uri="{C183D7F6-B498-43B3-948B-1728B52AA6E4}">
+                <adec:decorative xmlns:adec="http://schemas.microsoft.com/office/drawing/2017/decorative" val="1"/>
+              </a:ext>
+            </a:extLst>
+          </p:cNvPr>
+          <p:cNvSpPr>
+            <a:spLocks noGrp="1" noRot="1" noChangeAspect="1" noMove="1" noResize="1" noEditPoints="1" noAdjustHandles="1" noChangeArrowheads="1" noChangeShapeType="1" noTextEdit="1"/>
+          </p:cNvSpPr>
+          <p:nvPr>
+            <p:extLst>
+              <p:ext uri="{386F3935-93C4-4BCD-93E2-E3B085C9AB24}">
+                <p16:designElem xmlns:p16="http://schemas.microsoft.com/office/powerpoint/2015/main" val="1"/>
+              </p:ext>
+            </p:extLst>
+          </p:nvPr>
+        </p:nvSpPr>
+        <p:spPr>
+          <a:xfrm>
+            <a:off x="1279019" y="2526526"/>
+            <a:ext cx="10920893" cy="3563377"/>
+          </a:xfrm>
+          <a:prstGeom prst="rect">
+            <a:avLst/>
+          </a:prstGeom>
+          <a:solidFill>
+            <a:schemeClr val="bg2">
+              <a:lumMod val="60000"/>
+              <a:lumOff val="40000"/>
+              <a:alpha val="60000"/>
+            </a:schemeClr>
+          </a:solidFill>
+          <a:ln>
+            <a:noFill/>
+          </a:ln>
+        </p:spPr>
+        <p:style>
+          <a:lnRef idx="2">
+            <a:schemeClr val="accent1">
+              <a:shade val="50000"/>
+            </a:schemeClr>
+          </a:lnRef>
+          <a:fillRef idx="1">
+            <a:schemeClr val="accent1"/>
+          </a:fillRef>
+          <a:effectRef idx="0">
+            <a:schemeClr val="accent1"/>
+          </a:effectRef>
+          <a:fontRef idx="minor">
+            <a:schemeClr val="lt1"/>
+          </a:fontRef>
+        </p:style>
+        <p:txBody>
+          <a:bodyPr/>
+          <a:lstStyle/>
+          <a:p>
+            <a:endParaRPr lang="en-US" dirty="0"/>
+          </a:p>
+        </p:txBody>
+      </p:sp>
+      <p:sp>
+        <p:nvSpPr>
+          <p:cNvPr id="3" name="Content Placeholder 2">
+            <a:extLst>
+              <a:ext uri="{FF2B5EF4-FFF2-40B4-BE49-F238E27FC236}">
+                <a16:creationId xmlns:a16="http://schemas.microsoft.com/office/drawing/2014/main" id="{93FFF71B-CFE2-4CC8-AD16-16CE61AD1626}"/>
+              </a:ext>
+            </a:extLst>
+          </p:cNvPr>
+          <p:cNvSpPr>
+            <a:spLocks noGrp="1"/>
+          </p:cNvSpPr>
+          <p:nvPr>
+            <p:ph idx="1"/>
+          </p:nvPr>
+        </p:nvSpPr>
+        <p:spPr>
+          <a:xfrm>
+            <a:off x="1600753" y="2535446"/>
+            <a:ext cx="8983489" cy="3554457"/>
+          </a:xfrm>
+        </p:spPr>
+        <p:txBody>
+          <a:bodyPr>
+            <a:normAutofit/>
+          </a:bodyPr>
+          <a:lstStyle/>
+          <a:p>
+            <a:r>
+              <a:rPr lang="en-US" dirty="0">
+                <a:solidFill>
+                  <a:schemeClr val="tx1"/>
+                </a:solidFill>
+                <a:latin typeface="+mj-lt"/>
+              </a:rPr>
+              <a:t>Transfer protein sequences are classified based on family and subfamily</a:t>
+            </a:r>
+          </a:p>
+          <a:p>
+            <a:r>
+              <a:rPr lang="en-US" dirty="0">
+                <a:solidFill>
+                  <a:schemeClr val="tx1"/>
+                </a:solidFill>
+                <a:latin typeface="+mj-lt"/>
+              </a:rPr>
+              <a:t>Using KNN and BLAST method, f1-score reached around 97% on both classifications</a:t>
+            </a:r>
+          </a:p>
+          <a:p>
+            <a:endParaRPr lang="en-CA" dirty="0">
+              <a:solidFill>
+                <a:schemeClr val="tx1"/>
+              </a:solidFill>
+            </a:endParaRPr>
+          </a:p>
+        </p:txBody>
+      </p:sp>
+    </p:spTree>
+    <p:extLst>
+      <p:ext uri="{BB962C8B-B14F-4D97-AF65-F5344CB8AC3E}">
+        <p14:creationId xmlns:p14="http://schemas.microsoft.com/office/powerpoint/2010/main" val="3223661105"/>
+      </p:ext>
+    </p:extLst>
+  </p:cSld>
+  <p:clrMapOvr>
+    <a:masterClrMapping/>
+  </p:clrMapOvr>
+</p:sld>
+</file>
+
+<file path=ppt/slides/slide17.xml><?xml version="1.0" encoding="utf-8"?>
 <p:sld xmlns:a="http://schemas.openxmlformats.org/drawingml/2006/main" xmlns:r="http://schemas.openxmlformats.org/officeDocument/2006/relationships" xmlns:p="http://schemas.openxmlformats.org/presentationml/2006/main">
   <p:cSld>
     <p:bg>
@@ -7372,7 +12149,7 @@
         </p:spPr>
         <p:txBody>
           <a:bodyPr>
-            <a:normAutofit fontScale="92500" lnSpcReduction="10000"/>
+            <a:normAutofit fontScale="92500"/>
           </a:bodyPr>
           <a:lstStyle/>
           <a:p>
@@ -7528,7 +12305,7 @@
                 <a:latin typeface="Calibri Light" panose="020F0302020204030204" pitchFamily="34" charset="0"/>
                 <a:cs typeface="Calibri Light" panose="020F0302020204030204" pitchFamily="34" charset="0"/>
               </a:rPr>
-              <a:t>Extract 30 sequences of each family/subfamily randomly based on central limit theorem (CLT)</a:t>
+              <a:t>Extract 30 sequences of each family/subfamily randomly based on central limit theorem </a:t>
             </a:r>
             <a:endParaRPr lang="en-US" sz="2800" dirty="0">
               <a:solidFill>
@@ -7959,14 +12736,14 @@
             <p:ph idx="1"/>
             <p:extLst>
               <p:ext uri="{D42A27DB-BD31-4B8C-83A1-F6EECF244321}">
-                <p14:modId xmlns:p14="http://schemas.microsoft.com/office/powerpoint/2010/main" val="1641970999"/>
+                <p14:modId xmlns:p14="http://schemas.microsoft.com/office/powerpoint/2010/main" val="1014747318"/>
               </p:ext>
             </p:extLst>
           </p:nvPr>
         </p:nvGraphicFramePr>
         <p:xfrm>
           <a:off x="2424701" y="3329398"/>
-          <a:ext cx="6996701" cy="1107440"/>
+          <a:ext cx="7599832" cy="1376680"/>
         </p:xfrm>
         <a:graphic>
           <a:graphicData uri="http://schemas.openxmlformats.org/drawingml/2006/table">
@@ -7975,21 +12752,21 @@
                 <a:tableStyleId>{5C22544A-7EE6-4342-B048-85BDC9FD1C3A}</a:tableStyleId>
               </a:tblPr>
               <a:tblGrid>
-                <a:gridCol w="1882645">
+                <a:gridCol w="2044933">
                   <a:extLst>
                     <a:ext uri="{9D8B030D-6E8A-4147-A177-3AD203B41FA5}">
                       <a16:colId xmlns:a16="http://schemas.microsoft.com/office/drawing/2014/main" val="1446049533"/>
                     </a:ext>
                   </a:extLst>
                 </a:gridCol>
-                <a:gridCol w="2524969">
+                <a:gridCol w="3319699">
                   <a:extLst>
                     <a:ext uri="{9D8B030D-6E8A-4147-A177-3AD203B41FA5}">
                       <a16:colId xmlns:a16="http://schemas.microsoft.com/office/drawing/2014/main" val="1311522471"/>
                     </a:ext>
                   </a:extLst>
                 </a:gridCol>
-                <a:gridCol w="2589087">
+                <a:gridCol w="2235200">
                   <a:extLst>
                     <a:ext uri="{9D8B030D-6E8A-4147-A177-3AD203B41FA5}">
                       <a16:colId xmlns:a16="http://schemas.microsoft.com/office/drawing/2014/main" val="1344852748"/>
@@ -8068,7 +12845,7 @@
                     <a:p>
                       <a:r>
                         <a:rPr lang="en-US" dirty="0"/>
-                        <a:t>2880</a:t>
+                        <a:t>2880(96 families * 30 samples)</a:t>
                       </a:r>
                       <a:endParaRPr lang="en-CA" dirty="0"/>
                     </a:p>
@@ -8115,10 +12892,30 @@
                     <a:bodyPr/>
                     <a:lstStyle/>
                     <a:p>
+                      <a:pPr marL="0" marR="0" lvl="0" indent="0" algn="l" defTabSz="914400" rtl="0" eaLnBrk="1" fontAlgn="auto" latinLnBrk="0" hangingPunct="1">
+                        <a:lnSpc>
+                          <a:spcPct val="100000"/>
+                        </a:lnSpc>
+                        <a:spcBef>
+                          <a:spcPts val="0"/>
+                        </a:spcBef>
+                        <a:spcAft>
+                          <a:spcPts val="0"/>
+                        </a:spcAft>
+                        <a:buClrTx/>
+                        <a:buSzTx/>
+                        <a:buFontTx/>
+                        <a:buNone/>
+                        <a:tabLst/>
+                        <a:defRPr/>
+                      </a:pPr>
                       <a:r>
                         <a:rPr lang="en-US" dirty="0"/>
-                        <a:t>1500</a:t>
+                        <a:t>1500 (950 families * 30 samples)</a:t>
                       </a:r>
+                      <a:endParaRPr lang="en-CA" dirty="0"/>
+                    </a:p>
+                    <a:p>
                       <a:endParaRPr lang="en-CA" dirty="0"/>
                     </a:p>
                   </a:txBody>
@@ -11074,7 +15871,7 @@
                 </a:solidFill>
                 <a:latin typeface="+mj-lt"/>
               </a:rPr>
-              <a:t>Support Vector Machine </a:t>
+              <a:t>Support Vector Machine ( RBF, Polynomial, Linear)</a:t>
             </a:r>
           </a:p>
           <a:p>
@@ -11090,7 +15887,7 @@
                 </a:solidFill>
                 <a:latin typeface="+mj-lt"/>
               </a:rPr>
-              <a:t>Random Forrest </a:t>
+              <a:t>Random Forrest (step =100 for number of estimators) </a:t>
             </a:r>
           </a:p>
           <a:p>
@@ -11122,7 +15919,7 @@
                 </a:solidFill>
                 <a:latin typeface="+mj-lt"/>
               </a:rPr>
-              <a:t>K-Nearest Neighbor </a:t>
+              <a:t>K-Nearest Neighbor (K between 1 to 100)</a:t>
             </a:r>
           </a:p>
           <a:p>
@@ -11284,6 +16081,23 @@
                 <a:cs typeface="Calibri Light" panose="020F0302020204030204" pitchFamily="34" charset="0"/>
               </a:rPr>
               <a:t>Compares protein sequences to sequence databases and calculates the statistical significance of matches </a:t>
+            </a:r>
+          </a:p>
+          <a:p>
+            <a:pPr lvl="1">
+              <a:lnSpc>
+                <a:spcPct val="150000"/>
+              </a:lnSpc>
+            </a:pPr>
+            <a:r>
+              <a:rPr lang="en-US" sz="2600" dirty="0">
+                <a:solidFill>
+                  <a:schemeClr val="tx1"/>
+                </a:solidFill>
+                <a:latin typeface="Calibri Light" panose="020F0302020204030204" pitchFamily="34" charset="0"/>
+                <a:cs typeface="Calibri Light" panose="020F0302020204030204" pitchFamily="34" charset="0"/>
+              </a:rPr>
+              <a:t>E-value is extracted by BLAST</a:t>
             </a:r>
             <a:br>
               <a:rPr lang="en-US" sz="2600" dirty="0">
